--- a/Apresentação/Apresentação.pptx
+++ b/Apresentação/Apresentação.pptx
@@ -14,8 +14,9 @@
     <p:sldId id="263" r:id="rId8"/>
     <p:sldId id="269" r:id="rId9"/>
     <p:sldId id="264" r:id="rId10"/>
-    <p:sldId id="265" r:id="rId11"/>
-    <p:sldId id="262" r:id="rId12"/>
+    <p:sldId id="270" r:id="rId11"/>
+    <p:sldId id="265" r:id="rId12"/>
+    <p:sldId id="262" r:id="rId13"/>
   </p:sldIdLst>
   <p:sldSz cx="12192000" cy="6858000"/>
   <p:notesSz cx="6858000" cy="9144000"/>
@@ -253,7 +254,7 @@
           <a:p>
             <a:fld id="{1FE95C1F-3B94-4213-9793-2A9E61FD5042}" type="datetimeFigureOut">
               <a:rPr lang="pt-BR" smtClean="0"/>
-              <a:t>10/03/2020</a:t>
+              <a:t>11/03/2020</a:t>
             </a:fld>
             <a:endParaRPr lang="pt-BR"/>
           </a:p>
@@ -423,7 +424,7 @@
           <a:p>
             <a:fld id="{1FE95C1F-3B94-4213-9793-2A9E61FD5042}" type="datetimeFigureOut">
               <a:rPr lang="pt-BR" smtClean="0"/>
-              <a:t>10/03/2020</a:t>
+              <a:t>11/03/2020</a:t>
             </a:fld>
             <a:endParaRPr lang="pt-BR"/>
           </a:p>
@@ -603,7 +604,7 @@
           <a:p>
             <a:fld id="{1FE95C1F-3B94-4213-9793-2A9E61FD5042}" type="datetimeFigureOut">
               <a:rPr lang="pt-BR" smtClean="0"/>
-              <a:t>10/03/2020</a:t>
+              <a:t>11/03/2020</a:t>
             </a:fld>
             <a:endParaRPr lang="pt-BR"/>
           </a:p>
@@ -773,7 +774,7 @@
           <a:p>
             <a:fld id="{1FE95C1F-3B94-4213-9793-2A9E61FD5042}" type="datetimeFigureOut">
               <a:rPr lang="pt-BR" smtClean="0"/>
-              <a:t>10/03/2020</a:t>
+              <a:t>11/03/2020</a:t>
             </a:fld>
             <a:endParaRPr lang="pt-BR"/>
           </a:p>
@@ -1019,7 +1020,7 @@
           <a:p>
             <a:fld id="{1FE95C1F-3B94-4213-9793-2A9E61FD5042}" type="datetimeFigureOut">
               <a:rPr lang="pt-BR" smtClean="0"/>
-              <a:t>10/03/2020</a:t>
+              <a:t>11/03/2020</a:t>
             </a:fld>
             <a:endParaRPr lang="pt-BR"/>
           </a:p>
@@ -1251,7 +1252,7 @@
           <a:p>
             <a:fld id="{1FE95C1F-3B94-4213-9793-2A9E61FD5042}" type="datetimeFigureOut">
               <a:rPr lang="pt-BR" smtClean="0"/>
-              <a:t>10/03/2020</a:t>
+              <a:t>11/03/2020</a:t>
             </a:fld>
             <a:endParaRPr lang="pt-BR"/>
           </a:p>
@@ -1618,7 +1619,7 @@
           <a:p>
             <a:fld id="{1FE95C1F-3B94-4213-9793-2A9E61FD5042}" type="datetimeFigureOut">
               <a:rPr lang="pt-BR" smtClean="0"/>
-              <a:t>10/03/2020</a:t>
+              <a:t>11/03/2020</a:t>
             </a:fld>
             <a:endParaRPr lang="pt-BR"/>
           </a:p>
@@ -1736,7 +1737,7 @@
           <a:p>
             <a:fld id="{1FE95C1F-3B94-4213-9793-2A9E61FD5042}" type="datetimeFigureOut">
               <a:rPr lang="pt-BR" smtClean="0"/>
-              <a:t>10/03/2020</a:t>
+              <a:t>11/03/2020</a:t>
             </a:fld>
             <a:endParaRPr lang="pt-BR"/>
           </a:p>
@@ -1831,7 +1832,7 @@
           <a:p>
             <a:fld id="{1FE95C1F-3B94-4213-9793-2A9E61FD5042}" type="datetimeFigureOut">
               <a:rPr lang="pt-BR" smtClean="0"/>
-              <a:t>10/03/2020</a:t>
+              <a:t>11/03/2020</a:t>
             </a:fld>
             <a:endParaRPr lang="pt-BR"/>
           </a:p>
@@ -2108,7 +2109,7 @@
           <a:p>
             <a:fld id="{1FE95C1F-3B94-4213-9793-2A9E61FD5042}" type="datetimeFigureOut">
               <a:rPr lang="pt-BR" smtClean="0"/>
-              <a:t>10/03/2020</a:t>
+              <a:t>11/03/2020</a:t>
             </a:fld>
             <a:endParaRPr lang="pt-BR"/>
           </a:p>
@@ -2365,7 +2366,7 @@
           <a:p>
             <a:fld id="{1FE95C1F-3B94-4213-9793-2A9E61FD5042}" type="datetimeFigureOut">
               <a:rPr lang="pt-BR" smtClean="0"/>
-              <a:t>10/03/2020</a:t>
+              <a:t>11/03/2020</a:t>
             </a:fld>
             <a:endParaRPr lang="pt-BR"/>
           </a:p>
@@ -2578,7 +2579,7 @@
           <a:p>
             <a:fld id="{1FE95C1F-3B94-4213-9793-2A9E61FD5042}" type="datetimeFigureOut">
               <a:rPr lang="pt-BR" smtClean="0"/>
-              <a:t>10/03/2020</a:t>
+              <a:t>11/03/2020</a:t>
             </a:fld>
             <a:endParaRPr lang="pt-BR"/>
           </a:p>
@@ -3046,6 +3047,85 @@
   <p:cSld>
     <p:bg>
       <p:bgPr>
+        <a:blipFill dpi="0" rotWithShape="1">
+          <a:blip r:embed="rId2">
+            <a:lum/>
+          </a:blip>
+          <a:srcRect/>
+          <a:stretch>
+            <a:fillRect t="-1000" b="-10000"/>
+          </a:stretch>
+        </a:blipFill>
+        <a:effectLst/>
+      </p:bgPr>
+    </p:bg>
+    <p:spTree>
+      <p:nvGrpSpPr>
+        <p:cNvPr id="1" name=""/>
+        <p:cNvGrpSpPr/>
+        <p:nvPr/>
+      </p:nvGrpSpPr>
+      <p:grpSpPr>
+        <a:xfrm>
+          <a:off x="0" y="0"/>
+          <a:ext cx="0" cy="0"/>
+          <a:chOff x="0" y="0"/>
+          <a:chExt cx="0" cy="0"/>
+        </a:xfrm>
+      </p:grpSpPr>
+      <p:sp>
+        <p:nvSpPr>
+          <p:cNvPr id="4" name="CaixaDeTexto 3"/>
+          <p:cNvSpPr txBox="1"/>
+          <p:nvPr/>
+        </p:nvSpPr>
+        <p:spPr>
+          <a:xfrm>
+            <a:off x="927463" y="849086"/>
+            <a:ext cx="3617144" cy="923330"/>
+          </a:xfrm>
+          <a:prstGeom prst="rect">
+            <a:avLst/>
+          </a:prstGeom>
+          <a:noFill/>
+        </p:spPr>
+        <p:txBody>
+          <a:bodyPr wrap="none" rtlCol="0">
+            <a:spAutoFit/>
+          </a:bodyPr>
+          <a:lstStyle/>
+          <a:p>
+            <a:r>
+              <a:rPr lang="pt-BR" dirty="0" smtClean="0"/>
+              <a:t>QUANTO CUSTARÁ NOSSO SERVIÇO?</a:t>
+            </a:r>
+          </a:p>
+          <a:p>
+            <a:endParaRPr lang="pt-BR" dirty="0"/>
+          </a:p>
+          <a:p>
+            <a:endParaRPr lang="pt-BR" dirty="0"/>
+          </a:p>
+        </p:txBody>
+      </p:sp>
+    </p:spTree>
+    <p:extLst>
+      <p:ext uri="{BB962C8B-B14F-4D97-AF65-F5344CB8AC3E}">
+        <p14:creationId xmlns:p14="http://schemas.microsoft.com/office/powerpoint/2010/main" val="3431491277"/>
+      </p:ext>
+    </p:extLst>
+  </p:cSld>
+  <p:clrMapOvr>
+    <a:masterClrMapping/>
+  </p:clrMapOvr>
+</p:sld>
+</file>
+
+<file path=ppt/slides/slide11.xml><?xml version="1.0" encoding="utf-8"?>
+<p:sld xmlns:a="http://schemas.openxmlformats.org/drawingml/2006/main" xmlns:r="http://schemas.openxmlformats.org/officeDocument/2006/relationships" xmlns:p="http://schemas.openxmlformats.org/presentationml/2006/main">
+  <p:cSld>
+    <p:bg>
+      <p:bgPr>
         <a:solidFill>
           <a:schemeClr val="tx1"/>
         </a:solidFill>
@@ -3200,7 +3280,7 @@
 </p:sld>
 </file>
 
-<file path=ppt/slides/slide11.xml><?xml version="1.0" encoding="utf-8"?>
+<file path=ppt/slides/slide12.xml><?xml version="1.0" encoding="utf-8"?>
 <p:sld xmlns:a="http://schemas.openxmlformats.org/drawingml/2006/main" xmlns:r="http://schemas.openxmlformats.org/officeDocument/2006/relationships" xmlns:p="http://schemas.openxmlformats.org/presentationml/2006/main">
   <p:cSld>
     <p:bg>
@@ -8618,6 +8698,7 @@
                 <a:solidFill>
                   <a:schemeClr val="bg1"/>
                 </a:solidFill>
+                <a:hlinkClick r:id="rId2" action="ppaction://hlinkfile"/>
               </a:rPr>
               <a:t>SIMULADOR FINANCEIRO</a:t>
             </a:r>
@@ -8673,7 +8754,23 @@
                   <a:schemeClr val="bg1"/>
                 </a:solidFill>
               </a:rPr>
-              <a:t>DE ACORDO COM NOSSAS PESQUISAS, PODE-SE ECONOMIZAR, EM MÉDIA, DE 23 A 25% DO CONSUMO DE ENERGIA ELÉTRICA VOLTADO PARA A ILUMINAÇÃO</a:t>
+              <a:t>DE ACORDO COM NOSSAS PESQUISAS, PODE-SE ECONOMIZAR, EM MÉDIA, </a:t>
+            </a:r>
+            <a:r>
+              <a:rPr lang="pt-BR" sz="2000" b="1" dirty="0" smtClean="0">
+                <a:solidFill>
+                  <a:schemeClr val="bg1"/>
+                </a:solidFill>
+              </a:rPr>
+              <a:t>ATÉ 25</a:t>
+            </a:r>
+            <a:r>
+              <a:rPr lang="pt-BR" sz="2000" b="1" dirty="0" smtClean="0">
+                <a:solidFill>
+                  <a:schemeClr val="bg1"/>
+                </a:solidFill>
+              </a:rPr>
+              <a:t>% DO CONSUMO DE ENERGIA ELÉTRICA VOLTADO PARA A ILUMINAÇÃO</a:t>
             </a:r>
             <a:r>
               <a:rPr lang="pt-BR" b="1" dirty="0" smtClean="0">
@@ -8706,7 +8803,7 @@
           <p:nvPr/>
         </p:nvPicPr>
         <p:blipFill>
-          <a:blip r:embed="rId2">
+          <a:blip r:embed="rId3">
             <a:extLst>
               <a:ext uri="{28A0092B-C50C-407E-A947-70E740481C1C}">
                 <a14:useLocalDpi xmlns:a14="http://schemas.microsoft.com/office/drawing/2010/main" val="0"/>

--- a/Apresentação/Apresentação.pptx
+++ b/Apresentação/Apresentação.pptx
@@ -3053,7 +3053,7 @@
           </a:blip>
           <a:srcRect/>
           <a:stretch>
-            <a:fillRect t="-1000" b="-10000"/>
+            <a:fillRect l="-5000" r="-5000"/>
           </a:stretch>
         </a:blipFill>
         <a:effectLst/>
@@ -3075,14 +3075,71 @@
       </p:grpSpPr>
       <p:sp>
         <p:nvSpPr>
-          <p:cNvPr id="4" name="CaixaDeTexto 3"/>
+          <p:cNvPr id="5" name="Título 1"/>
+          <p:cNvSpPr txBox="1">
+            <a:spLocks/>
+          </p:cNvSpPr>
+          <p:nvPr/>
+        </p:nvSpPr>
+        <p:spPr>
+          <a:xfrm>
+            <a:off x="-478302" y="239151"/>
+            <a:ext cx="8221343" cy="779218"/>
+          </a:xfrm>
+          <a:prstGeom prst="rect">
+            <a:avLst/>
+          </a:prstGeom>
+        </p:spPr>
+        <p:txBody>
+          <a:bodyPr vert="horz" lIns="91440" tIns="45720" rIns="91440" bIns="45720" rtlCol="0" anchor="b">
+            <a:normAutofit fontScale="97500"/>
+          </a:bodyPr>
+          <a:lstStyle>
+            <a:lvl1pPr algn="ctr" defTabSz="914400" rtl="0" eaLnBrk="1" latinLnBrk="0" hangingPunct="1">
+              <a:lnSpc>
+                <a:spcPct val="90000"/>
+              </a:lnSpc>
+              <a:spcBef>
+                <a:spcPct val="0"/>
+              </a:spcBef>
+              <a:buNone/>
+              <a:defRPr sz="6000" kern="1200">
+                <a:solidFill>
+                  <a:schemeClr val="tx1"/>
+                </a:solidFill>
+                <a:latin typeface="+mj-lt"/>
+                <a:ea typeface="+mj-ea"/>
+                <a:cs typeface="+mj-cs"/>
+              </a:defRPr>
+            </a:lvl1pPr>
+          </a:lstStyle>
+          <a:p>
+            <a:r>
+              <a:rPr lang="pt-BR" sz="4800" b="1" dirty="0" smtClean="0">
+                <a:solidFill>
+                  <a:srgbClr val="B1F294"/>
+                </a:solidFill>
+              </a:rPr>
+              <a:t>Quanto custa nosso serviço?</a:t>
+            </a:r>
+            <a:endParaRPr lang="en-US" sz="4700" b="1" dirty="0">
+              <a:solidFill>
+                <a:srgbClr val="B1F294"/>
+              </a:solidFill>
+            </a:endParaRPr>
+          </a:p>
+        </p:txBody>
+      </p:sp>
+      <p:sp>
+        <p:nvSpPr>
+          <p:cNvPr id="7" name="CaixaDeTexto 6"/>
           <p:cNvSpPr txBox="1"/>
           <p:nvPr/>
         </p:nvSpPr>
         <p:spPr>
           <a:xfrm>
-            <a:off x="927463" y="849086"/>
-            <a:ext cx="3617144" cy="923330"/>
+            <a:off x="333557" y="1458754"/>
+            <a:ext cx="6067242" cy="1323439"/>
           </a:xfrm>
           <a:prstGeom prst="rect">
             <a:avLst/>
@@ -3090,21 +3147,85 @@
           <a:noFill/>
         </p:spPr>
         <p:txBody>
-          <a:bodyPr wrap="none" rtlCol="0">
+          <a:bodyPr wrap="square" rtlCol="0">
             <a:spAutoFit/>
           </a:bodyPr>
           <a:lstStyle/>
           <a:p>
             <a:r>
-              <a:rPr lang="pt-BR" dirty="0" smtClean="0"/>
-              <a:t>QUANTO CUSTARÁ NOSSO SERVIÇO?</a:t>
-            </a:r>
-          </a:p>
-          <a:p>
-            <a:endParaRPr lang="pt-BR" dirty="0"/>
-          </a:p>
-          <a:p>
-            <a:endParaRPr lang="pt-BR" dirty="0"/>
+              <a:rPr lang="pt-BR" sz="2000" b="1" dirty="0" smtClean="0">
+                <a:solidFill>
+                  <a:schemeClr val="bg1"/>
+                </a:solidFill>
+              </a:rPr>
+              <a:t>Utilizamos como exemplo o pr</a:t>
+            </a:r>
+            <a:r>
+              <a:rPr lang="pt-BR" sz="2000" b="1" dirty="0" smtClean="0">
+                <a:solidFill>
+                  <a:schemeClr val="bg1"/>
+                </a:solidFill>
+              </a:rPr>
+              <a:t>édio Digital </a:t>
+            </a:r>
+            <a:r>
+              <a:rPr lang="pt-BR" sz="2000" b="1" dirty="0" err="1" smtClean="0">
+                <a:solidFill>
+                  <a:schemeClr val="bg1"/>
+                </a:solidFill>
+              </a:rPr>
+              <a:t>School</a:t>
+            </a:r>
+            <a:endParaRPr lang="pt-BR" sz="2000" b="1" dirty="0" smtClean="0">
+              <a:solidFill>
+                <a:schemeClr val="bg1"/>
+              </a:solidFill>
+            </a:endParaRPr>
+          </a:p>
+          <a:p>
+            <a:r>
+              <a:rPr lang="pt-BR" sz="2000" b="1" dirty="0" smtClean="0">
+                <a:solidFill>
+                  <a:schemeClr val="bg1"/>
+                </a:solidFill>
+              </a:rPr>
+              <a:t>Estimamos um total de 616 lâmpadas</a:t>
+            </a:r>
+            <a:endParaRPr lang="pt-BR" sz="2000" b="1" dirty="0">
+              <a:solidFill>
+                <a:schemeClr val="bg1"/>
+              </a:solidFill>
+            </a:endParaRPr>
+          </a:p>
+          <a:p>
+            <a:r>
+              <a:rPr lang="pt-BR" sz="2000" b="1" dirty="0" smtClean="0">
+                <a:solidFill>
+                  <a:schemeClr val="bg1"/>
+                </a:solidFill>
+              </a:rPr>
+              <a:t>Analisamos a necessidade de </a:t>
+            </a:r>
+            <a:r>
+              <a:rPr lang="pt-BR" sz="2000" b="1" dirty="0" err="1" smtClean="0">
+                <a:solidFill>
+                  <a:schemeClr val="bg1"/>
+                </a:solidFill>
+              </a:rPr>
+              <a:t>arduinos</a:t>
+            </a:r>
+            <a:endParaRPr lang="pt-BR" sz="2000" b="1" dirty="0" smtClean="0">
+              <a:solidFill>
+                <a:schemeClr val="bg1"/>
+              </a:solidFill>
+            </a:endParaRPr>
+          </a:p>
+          <a:p>
+            <a:endParaRPr lang="pt-BR" sz="2000" b="1" dirty="0" smtClean="0">
+              <a:solidFill>
+                <a:schemeClr val="bg1"/>
+              </a:solidFill>
+            </a:endParaRPr>
           </a:p>
         </p:txBody>
       </p:sp>
@@ -8754,23 +8875,7 @@
                   <a:schemeClr val="bg1"/>
                 </a:solidFill>
               </a:rPr>
-              <a:t>DE ACORDO COM NOSSAS PESQUISAS, PODE-SE ECONOMIZAR, EM MÉDIA, </a:t>
-            </a:r>
-            <a:r>
-              <a:rPr lang="pt-BR" sz="2000" b="1" dirty="0" smtClean="0">
-                <a:solidFill>
-                  <a:schemeClr val="bg1"/>
-                </a:solidFill>
-              </a:rPr>
-              <a:t>ATÉ 25</a:t>
-            </a:r>
-            <a:r>
-              <a:rPr lang="pt-BR" sz="2000" b="1" dirty="0" smtClean="0">
-                <a:solidFill>
-                  <a:schemeClr val="bg1"/>
-                </a:solidFill>
-              </a:rPr>
-              <a:t>% DO CONSUMO DE ENERGIA ELÉTRICA VOLTADO PARA A ILUMINAÇÃO</a:t>
+              <a:t>DE ACORDO COM NOSSAS PESQUISAS, PODE-SE ECONOMIZAR, EM MÉDIA, ATÉ 25% DO CONSUMO DE ENERGIA ELÉTRICA VOLTADO PARA A ILUMINAÇÃO</a:t>
             </a:r>
             <a:r>
               <a:rPr lang="pt-BR" b="1" dirty="0" smtClean="0">

--- a/Apresentação/Apresentação.pptx
+++ b/Apresentação/Apresentação.pptx
@@ -3139,7 +3139,7 @@
         <p:spPr>
           <a:xfrm>
             <a:off x="333557" y="1458754"/>
-            <a:ext cx="6067242" cy="1323439"/>
+            <a:ext cx="6067242" cy="4401205"/>
           </a:xfrm>
           <a:prstGeom prst="rect">
             <a:avLst/>
@@ -3158,15 +3158,7 @@
                   <a:schemeClr val="bg1"/>
                 </a:solidFill>
               </a:rPr>
-              <a:t>Utilizamos como exemplo o pr</a:t>
-            </a:r>
-            <a:r>
-              <a:rPr lang="pt-BR" sz="2000" b="1" dirty="0" smtClean="0">
-                <a:solidFill>
-                  <a:schemeClr val="bg1"/>
-                </a:solidFill>
-              </a:rPr>
-              <a:t>édio Digital </a:t>
+              <a:t>Utilizamos como exemplo o prédio Digital </a:t>
             </a:r>
             <a:r>
               <a:rPr lang="pt-BR" sz="2000" b="1" dirty="0" err="1" smtClean="0">
@@ -3214,6 +3206,98 @@
               </a:rPr>
               <a:t>arduinos</a:t>
             </a:r>
+            <a:r>
+              <a:rPr lang="pt-BR" sz="2000" b="1" dirty="0">
+                <a:solidFill>
+                  <a:schemeClr val="bg1"/>
+                </a:solidFill>
+              </a:rPr>
+              <a:t> </a:t>
+            </a:r>
+            <a:r>
+              <a:rPr lang="pt-BR" sz="2000" b="1" dirty="0" smtClean="0">
+                <a:solidFill>
+                  <a:schemeClr val="bg1"/>
+                </a:solidFill>
+              </a:rPr>
+              <a:t>(1 </a:t>
+            </a:r>
+            <a:r>
+              <a:rPr lang="pt-BR" sz="2000" b="1" dirty="0" err="1" smtClean="0">
+                <a:solidFill>
+                  <a:schemeClr val="bg1"/>
+                </a:solidFill>
+              </a:rPr>
+              <a:t>arduino</a:t>
+            </a:r>
+            <a:r>
+              <a:rPr lang="pt-BR" sz="2000" b="1" dirty="0" smtClean="0">
+                <a:solidFill>
+                  <a:schemeClr val="bg1"/>
+                </a:solidFill>
+              </a:rPr>
+              <a:t> a cada 4 lâmpadas)</a:t>
+            </a:r>
+          </a:p>
+          <a:p>
+            <a:r>
+              <a:rPr lang="pt-BR" sz="2000" b="1" dirty="0" smtClean="0">
+                <a:solidFill>
+                  <a:schemeClr val="bg1"/>
+                </a:solidFill>
+              </a:rPr>
+              <a:t>O custo do serviço será R$150,00 por </a:t>
+            </a:r>
+            <a:r>
+              <a:rPr lang="pt-BR" sz="2000" b="1" dirty="0" err="1" smtClean="0">
+                <a:solidFill>
+                  <a:schemeClr val="bg1"/>
+                </a:solidFill>
+              </a:rPr>
+              <a:t>arduíno</a:t>
+            </a:r>
+            <a:r>
+              <a:rPr lang="pt-BR" sz="2000" b="1" dirty="0">
+                <a:solidFill>
+                  <a:schemeClr val="bg1"/>
+                </a:solidFill>
+              </a:rPr>
+              <a:t> </a:t>
+            </a:r>
+          </a:p>
+          <a:p>
+            <a:r>
+              <a:rPr lang="pt-BR" sz="2000" b="1" dirty="0" smtClean="0">
+                <a:solidFill>
+                  <a:schemeClr val="bg1"/>
+                </a:solidFill>
+              </a:rPr>
+              <a:t>A </a:t>
+            </a:r>
+            <a:r>
+              <a:rPr lang="pt-BR" sz="2000" b="1" dirty="0" smtClean="0">
+                <a:solidFill>
+                  <a:schemeClr val="bg1"/>
+                </a:solidFill>
+              </a:rPr>
+              <a:t>anuidade será 30% da </a:t>
+            </a:r>
+            <a:r>
+              <a:rPr lang="pt-BR" sz="2000" b="1" smtClean="0">
+                <a:solidFill>
+                  <a:schemeClr val="bg1"/>
+                </a:solidFill>
+              </a:rPr>
+              <a:t>economia  anual </a:t>
+            </a:r>
+            <a:r>
+              <a:rPr lang="pt-BR" sz="2000" b="1" dirty="0" smtClean="0">
+                <a:solidFill>
+                  <a:schemeClr val="bg1"/>
+                </a:solidFill>
+              </a:rPr>
+              <a:t>com o projeto</a:t>
+            </a:r>
             <a:endParaRPr lang="pt-BR" sz="2000" b="1" dirty="0" smtClean="0">
               <a:solidFill>
                 <a:schemeClr val="bg1"/>
@@ -3221,6 +3305,99 @@
             </a:endParaRPr>
           </a:p>
           <a:p>
+            <a:endParaRPr lang="pt-BR" sz="2000" b="1" dirty="0" smtClean="0">
+              <a:solidFill>
+                <a:schemeClr val="bg1"/>
+              </a:solidFill>
+            </a:endParaRPr>
+          </a:p>
+          <a:p>
+            <a:endParaRPr lang="pt-BR" sz="2000" b="1" dirty="0">
+              <a:solidFill>
+                <a:schemeClr val="bg1"/>
+              </a:solidFill>
+            </a:endParaRPr>
+          </a:p>
+          <a:p>
+            <a:endParaRPr lang="pt-BR" sz="2000" b="1" dirty="0" smtClean="0">
+              <a:solidFill>
+                <a:schemeClr val="bg1"/>
+              </a:solidFill>
+            </a:endParaRPr>
+          </a:p>
+          <a:p>
+            <a:r>
+              <a:rPr lang="pt-BR" sz="2000" b="1" dirty="0">
+                <a:solidFill>
+                  <a:schemeClr val="bg1"/>
+                </a:solidFill>
+              </a:rPr>
+              <a:t> (GASTO)    (ECONOMIA)		</a:t>
+            </a:r>
+          </a:p>
+          <a:p>
+            <a:r>
+              <a:rPr lang="pt-BR" sz="2000" b="1" dirty="0" smtClean="0">
+                <a:solidFill>
+                  <a:schemeClr val="bg1"/>
+                </a:solidFill>
+              </a:rPr>
+              <a:t>27,300 </a:t>
+            </a:r>
+            <a:r>
+              <a:rPr lang="pt-BR" sz="2000" b="1" dirty="0">
+                <a:solidFill>
+                  <a:schemeClr val="bg1"/>
+                </a:solidFill>
+              </a:rPr>
+              <a:t>--- 13,731,38   	1 ano	</a:t>
+            </a:r>
+          </a:p>
+          <a:p>
+            <a:r>
+              <a:rPr lang="pt-BR" sz="2000" b="1" dirty="0" smtClean="0">
+                <a:solidFill>
+                  <a:schemeClr val="bg1"/>
+                </a:solidFill>
+              </a:rPr>
+              <a:t>31,500 </a:t>
+            </a:r>
+            <a:r>
+              <a:rPr lang="pt-BR" sz="2000" b="1" dirty="0">
+                <a:solidFill>
+                  <a:schemeClr val="bg1"/>
+                </a:solidFill>
+              </a:rPr>
+              <a:t>--- 27.462,76	2 </a:t>
+            </a:r>
+            <a:r>
+              <a:rPr lang="pt-BR" sz="2000" b="1" dirty="0" smtClean="0">
+                <a:solidFill>
+                  <a:schemeClr val="bg1"/>
+                </a:solidFill>
+              </a:rPr>
+              <a:t>ano</a:t>
+            </a:r>
+          </a:p>
+          <a:p>
+            <a:r>
+              <a:rPr lang="pt-BR" sz="2000" b="1" dirty="0" smtClean="0">
+                <a:solidFill>
+                  <a:schemeClr val="bg1"/>
+                </a:solidFill>
+              </a:rPr>
+              <a:t>35,700 --- 40.834,14	3 ano</a:t>
+            </a:r>
+          </a:p>
+          <a:p>
+            <a:r>
+              <a:rPr lang="pt-BR" sz="2000" b="1" dirty="0">
+                <a:solidFill>
+                  <a:schemeClr val="bg1"/>
+                </a:solidFill>
+              </a:rPr>
+              <a:t>	</a:t>
+            </a:r>
             <a:endParaRPr lang="pt-BR" sz="2000" b="1" dirty="0" smtClean="0">
               <a:solidFill>
                 <a:schemeClr val="bg1"/>

--- a/Apresentação/Apresentação.pptx
+++ b/Apresentação/Apresentação.pptx
@@ -3176,12 +3176,28 @@
           </a:p>
           <a:p>
             <a:r>
+              <a:rPr lang="pt-BR" sz="2000" b="1" dirty="0">
+                <a:solidFill>
+                  <a:schemeClr val="bg1"/>
+                </a:solidFill>
+              </a:rPr>
+              <a:t>e</a:t>
+            </a:r>
+            <a:r>
+              <a:rPr lang="pt-BR" sz="2000" b="1" smtClean="0">
+                <a:solidFill>
+                  <a:schemeClr val="bg1"/>
+                </a:solidFill>
+              </a:rPr>
+              <a:t>stimamos </a:t>
+            </a:r>
+            <a:r>
               <a:rPr lang="pt-BR" sz="2000" b="1" dirty="0" smtClean="0">
                 <a:solidFill>
                   <a:schemeClr val="bg1"/>
                 </a:solidFill>
               </a:rPr>
-              <a:t>Estimamos um total de 616 lâmpadas</a:t>
+              <a:t>um total de 616 lâmpadas</a:t>
             </a:r>
             <a:endParaRPr lang="pt-BR" sz="2000" b="1" dirty="0">
               <a:solidFill>
@@ -3191,12 +3207,28 @@
           </a:p>
           <a:p>
             <a:r>
+              <a:rPr lang="pt-BR" sz="2000" b="1" dirty="0">
+                <a:solidFill>
+                  <a:schemeClr val="bg1"/>
+                </a:solidFill>
+              </a:rPr>
+              <a:t>a</a:t>
+            </a:r>
+            <a:r>
+              <a:rPr lang="pt-BR" sz="2000" b="1" smtClean="0">
+                <a:solidFill>
+                  <a:schemeClr val="bg1"/>
+                </a:solidFill>
+              </a:rPr>
+              <a:t>nalisamos </a:t>
+            </a:r>
+            <a:r>
               <a:rPr lang="pt-BR" sz="2000" b="1" dirty="0" smtClean="0">
                 <a:solidFill>
                   <a:schemeClr val="bg1"/>
                 </a:solidFill>
               </a:rPr>
-              <a:t>Analisamos a necessidade de </a:t>
+              <a:t>a necessidade de </a:t>
             </a:r>
             <a:r>
               <a:rPr lang="pt-BR" sz="2000" b="1" dirty="0" err="1" smtClean="0">
@@ -3241,12 +3273,28 @@
           </a:p>
           <a:p>
             <a:r>
+              <a:rPr lang="pt-BR" sz="2000" b="1" dirty="0">
+                <a:solidFill>
+                  <a:schemeClr val="bg1"/>
+                </a:solidFill>
+              </a:rPr>
+              <a:t>o</a:t>
+            </a:r>
+            <a:r>
+              <a:rPr lang="pt-BR" sz="2000" b="1" smtClean="0">
+                <a:solidFill>
+                  <a:schemeClr val="bg1"/>
+                </a:solidFill>
+              </a:rPr>
+              <a:t> </a:t>
+            </a:r>
+            <a:r>
               <a:rPr lang="pt-BR" sz="2000" b="1" dirty="0" smtClean="0">
                 <a:solidFill>
                   <a:schemeClr val="bg1"/>
                 </a:solidFill>
               </a:rPr>
-              <a:t>O custo do serviço será R$150,00 por </a:t>
+              <a:t>custo do serviço será R$150,00 por </a:t>
             </a:r>
             <a:r>
               <a:rPr lang="pt-BR" sz="2000" b="1" dirty="0" err="1" smtClean="0">
@@ -3267,37 +3315,31 @@
           </a:p>
           <a:p>
             <a:r>
+              <a:rPr lang="pt-BR" sz="2000" b="1" dirty="0">
+                <a:solidFill>
+                  <a:schemeClr val="bg1"/>
+                </a:solidFill>
+              </a:rPr>
+              <a:t>a</a:t>
+            </a:r>
+            <a:r>
+              <a:rPr lang="pt-BR" sz="2000" b="1" smtClean="0">
+                <a:solidFill>
+                  <a:schemeClr val="bg1"/>
+                </a:solidFill>
+              </a:rPr>
+              <a:t> </a:t>
+            </a:r>
+            <a:r>
               <a:rPr lang="pt-BR" sz="2000" b="1" dirty="0" smtClean="0">
                 <a:solidFill>
                   <a:schemeClr val="bg1"/>
                 </a:solidFill>
               </a:rPr>
-              <a:t>A </a:t>
-            </a:r>
-            <a:r>
-              <a:rPr lang="pt-BR" sz="2000" b="1" dirty="0" smtClean="0">
-                <a:solidFill>
-                  <a:schemeClr val="bg1"/>
-                </a:solidFill>
-              </a:rPr>
-              <a:t>anuidade será 30% da </a:t>
-            </a:r>
-            <a:r>
-              <a:rPr lang="pt-BR" sz="2000" b="1" smtClean="0">
-                <a:solidFill>
-                  <a:schemeClr val="bg1"/>
-                </a:solidFill>
-              </a:rPr>
-              <a:t>economia  anual </a:t>
-            </a:r>
-            <a:r>
-              <a:rPr lang="pt-BR" sz="2000" b="1" dirty="0" smtClean="0">
-                <a:solidFill>
-                  <a:schemeClr val="bg1"/>
-                </a:solidFill>
-              </a:rPr>
-              <a:t>com o projeto</a:t>
-            </a:r>
+              <a:t>anuidade será 30% da economia  anual com o projeto</a:t>
+            </a:r>
+          </a:p>
+          <a:p>
             <a:endParaRPr lang="pt-BR" sz="2000" b="1" dirty="0" smtClean="0">
               <a:solidFill>
                 <a:schemeClr val="bg1"/>
@@ -3305,6 +3347,13 @@
             </a:endParaRPr>
           </a:p>
           <a:p>
+            <a:endParaRPr lang="pt-BR" sz="2000" b="1" dirty="0">
+              <a:solidFill>
+                <a:schemeClr val="bg1"/>
+              </a:solidFill>
+            </a:endParaRPr>
+          </a:p>
+          <a:p>
             <a:endParaRPr lang="pt-BR" sz="2000" b="1" dirty="0" smtClean="0">
               <a:solidFill>
                 <a:schemeClr val="bg1"/>
@@ -3312,20 +3361,6 @@
             </a:endParaRPr>
           </a:p>
           <a:p>
-            <a:endParaRPr lang="pt-BR" sz="2000" b="1" dirty="0">
-              <a:solidFill>
-                <a:schemeClr val="bg1"/>
-              </a:solidFill>
-            </a:endParaRPr>
-          </a:p>
-          <a:p>
-            <a:endParaRPr lang="pt-BR" sz="2000" b="1" dirty="0" smtClean="0">
-              <a:solidFill>
-                <a:schemeClr val="bg1"/>
-              </a:solidFill>
-            </a:endParaRPr>
-          </a:p>
-          <a:p>
             <a:r>
               <a:rPr lang="pt-BR" sz="2000" b="1" dirty="0">
                 <a:solidFill>
@@ -3337,12 +3372,12 @@
           </a:p>
           <a:p>
             <a:r>
-              <a:rPr lang="pt-BR" sz="2000" b="1" dirty="0" smtClean="0">
+              <a:rPr lang="pt-BR" sz="2000" b="1" smtClean="0">
                 <a:solidFill>
                   <a:schemeClr val="bg1"/>
                 </a:solidFill>
               </a:rPr>
-              <a:t>27,300 </a:t>
+              <a:t>27,300.00 </a:t>
             </a:r>
             <a:r>
               <a:rPr lang="pt-BR" sz="2000" b="1" dirty="0">
@@ -3355,12 +3390,12 @@
           </a:p>
           <a:p>
             <a:r>
-              <a:rPr lang="pt-BR" sz="2000" b="1" dirty="0" smtClean="0">
+              <a:rPr lang="pt-BR" sz="2000" b="1" smtClean="0">
                 <a:solidFill>
                   <a:schemeClr val="bg1"/>
                 </a:solidFill>
               </a:rPr>
-              <a:t>31,500 </a:t>
+              <a:t>31,500.00 </a:t>
             </a:r>
             <a:r>
               <a:rPr lang="pt-BR" sz="2000" b="1" dirty="0">
@@ -3381,12 +3416,20 @@
           </a:p>
           <a:p>
             <a:r>
+              <a:rPr lang="pt-BR" sz="2000" b="1" smtClean="0">
+                <a:solidFill>
+                  <a:schemeClr val="bg1"/>
+                </a:solidFill>
+              </a:rPr>
+              <a:t>35,700.00 </a:t>
+            </a:r>
+            <a:r>
               <a:rPr lang="pt-BR" sz="2000" b="1" dirty="0" smtClean="0">
                 <a:solidFill>
                   <a:schemeClr val="bg1"/>
                 </a:solidFill>
               </a:rPr>
-              <a:t>35,700 --- 40.834,14	3 ano</a:t>
+              <a:t>--- 40.834,14	3 ano</a:t>
             </a:r>
           </a:p>
           <a:p>
@@ -3517,7 +3560,7 @@
           <p:cNvPr id="7" name="Picture 2" descr="Uma imagem contendo bola, mesa, quarto&#10;&#10;Descrição gerada automaticamente">
             <a:extLst>
               <a:ext uri="{FF2B5EF4-FFF2-40B4-BE49-F238E27FC236}">
-                <a16:creationId xmlns:a16="http://schemas.microsoft.com/office/drawing/2014/main" id="{ADAAE8E7-98FC-475F-9C81-75C93DCEC698}"/>
+                <a16:creationId xmlns:a16="http://schemas.microsoft.com/office/drawing/2014/main" xmlns="" id="{ADAAE8E7-98FC-475F-9C81-75C93DCEC698}"/>
               </a:ext>
             </a:extLst>
           </p:cNvPr>
@@ -3676,21 +3719,21 @@
                 <a:gridCol w="1268395">
                   <a:extLst>
                     <a:ext uri="{9D8B030D-6E8A-4147-A177-3AD203B41FA5}">
-                      <a16:colId xmlns:a16="http://schemas.microsoft.com/office/drawing/2014/main" val="3422996112"/>
+                      <a16:colId xmlns:a16="http://schemas.microsoft.com/office/drawing/2014/main" xmlns="" val="3422996112"/>
                     </a:ext>
                   </a:extLst>
                 </a:gridCol>
                 <a:gridCol w="5877931">
                   <a:extLst>
                     <a:ext uri="{9D8B030D-6E8A-4147-A177-3AD203B41FA5}">
-                      <a16:colId xmlns:a16="http://schemas.microsoft.com/office/drawing/2014/main" val="1186016166"/>
+                      <a16:colId xmlns:a16="http://schemas.microsoft.com/office/drawing/2014/main" xmlns="" val="1186016166"/>
                     </a:ext>
                   </a:extLst>
                 </a:gridCol>
                 <a:gridCol w="989968">
                   <a:extLst>
                     <a:ext uri="{9D8B030D-6E8A-4147-A177-3AD203B41FA5}">
-                      <a16:colId xmlns:a16="http://schemas.microsoft.com/office/drawing/2014/main" val="1057168845"/>
+                      <a16:colId xmlns:a16="http://schemas.microsoft.com/office/drawing/2014/main" xmlns="" val="1057168845"/>
                     </a:ext>
                   </a:extLst>
                 </a:gridCol>
@@ -3878,7 +3921,7 @@
                 </a:tc>
                 <a:extLst>
                   <a:ext uri="{0D108BD9-81ED-4DB2-BD59-A6C34878D82A}">
-                    <a16:rowId xmlns:a16="http://schemas.microsoft.com/office/drawing/2014/main" val="2542052745"/>
+                    <a16:rowId xmlns:a16="http://schemas.microsoft.com/office/drawing/2014/main" xmlns="" val="2542052745"/>
                   </a:ext>
                 </a:extLst>
               </a:tr>
@@ -4071,7 +4114,7 @@
                 </a:tc>
                 <a:extLst>
                   <a:ext uri="{0D108BD9-81ED-4DB2-BD59-A6C34878D82A}">
-                    <a16:rowId xmlns:a16="http://schemas.microsoft.com/office/drawing/2014/main" val="2864439304"/>
+                    <a16:rowId xmlns:a16="http://schemas.microsoft.com/office/drawing/2014/main" xmlns="" val="2864439304"/>
                   </a:ext>
                 </a:extLst>
               </a:tr>
@@ -4264,7 +4307,7 @@
                 </a:tc>
                 <a:extLst>
                   <a:ext uri="{0D108BD9-81ED-4DB2-BD59-A6C34878D82A}">
-                    <a16:rowId xmlns:a16="http://schemas.microsoft.com/office/drawing/2014/main" val="3582784080"/>
+                    <a16:rowId xmlns:a16="http://schemas.microsoft.com/office/drawing/2014/main" xmlns="" val="3582784080"/>
                   </a:ext>
                 </a:extLst>
               </a:tr>
@@ -4477,7 +4520,7 @@
                 </a:tc>
                 <a:extLst>
                   <a:ext uri="{0D108BD9-81ED-4DB2-BD59-A6C34878D82A}">
-                    <a16:rowId xmlns:a16="http://schemas.microsoft.com/office/drawing/2014/main" val="4138028467"/>
+                    <a16:rowId xmlns:a16="http://schemas.microsoft.com/office/drawing/2014/main" xmlns="" val="4138028467"/>
                   </a:ext>
                 </a:extLst>
               </a:tr>
@@ -4690,7 +4733,7 @@
                 </a:tc>
                 <a:extLst>
                   <a:ext uri="{0D108BD9-81ED-4DB2-BD59-A6C34878D82A}">
-                    <a16:rowId xmlns:a16="http://schemas.microsoft.com/office/drawing/2014/main" val="148916675"/>
+                    <a16:rowId xmlns:a16="http://schemas.microsoft.com/office/drawing/2014/main" xmlns="" val="148916675"/>
                   </a:ext>
                 </a:extLst>
               </a:tr>
@@ -4903,7 +4946,7 @@
                 </a:tc>
                 <a:extLst>
                   <a:ext uri="{0D108BD9-81ED-4DB2-BD59-A6C34878D82A}">
-                    <a16:rowId xmlns:a16="http://schemas.microsoft.com/office/drawing/2014/main" val="4289460070"/>
+                    <a16:rowId xmlns:a16="http://schemas.microsoft.com/office/drawing/2014/main" xmlns="" val="4289460070"/>
                   </a:ext>
                 </a:extLst>
               </a:tr>
@@ -5096,7 +5139,7 @@
                 </a:tc>
                 <a:extLst>
                   <a:ext uri="{0D108BD9-81ED-4DB2-BD59-A6C34878D82A}">
-                    <a16:rowId xmlns:a16="http://schemas.microsoft.com/office/drawing/2014/main" val="3934745621"/>
+                    <a16:rowId xmlns:a16="http://schemas.microsoft.com/office/drawing/2014/main" xmlns="" val="3934745621"/>
                   </a:ext>
                 </a:extLst>
               </a:tr>
@@ -5289,7 +5332,7 @@
                 </a:tc>
                 <a:extLst>
                   <a:ext uri="{0D108BD9-81ED-4DB2-BD59-A6C34878D82A}">
-                    <a16:rowId xmlns:a16="http://schemas.microsoft.com/office/drawing/2014/main" val="3332197348"/>
+                    <a16:rowId xmlns:a16="http://schemas.microsoft.com/office/drawing/2014/main" xmlns="" val="3332197348"/>
                   </a:ext>
                 </a:extLst>
               </a:tr>
@@ -5482,7 +5525,7 @@
                 </a:tc>
                 <a:extLst>
                   <a:ext uri="{0D108BD9-81ED-4DB2-BD59-A6C34878D82A}">
-                    <a16:rowId xmlns:a16="http://schemas.microsoft.com/office/drawing/2014/main" val="1520756860"/>
+                    <a16:rowId xmlns:a16="http://schemas.microsoft.com/office/drawing/2014/main" xmlns="" val="1520756860"/>
                   </a:ext>
                 </a:extLst>
               </a:tr>
@@ -5675,7 +5718,7 @@
                 </a:tc>
                 <a:extLst>
                   <a:ext uri="{0D108BD9-81ED-4DB2-BD59-A6C34878D82A}">
-                    <a16:rowId xmlns:a16="http://schemas.microsoft.com/office/drawing/2014/main" val="1610062729"/>
+                    <a16:rowId xmlns:a16="http://schemas.microsoft.com/office/drawing/2014/main" xmlns="" val="1610062729"/>
                   </a:ext>
                 </a:extLst>
               </a:tr>
@@ -5868,7 +5911,7 @@
                 </a:tc>
                 <a:extLst>
                   <a:ext uri="{0D108BD9-81ED-4DB2-BD59-A6C34878D82A}">
-                    <a16:rowId xmlns:a16="http://schemas.microsoft.com/office/drawing/2014/main" val="531162653"/>
+                    <a16:rowId xmlns:a16="http://schemas.microsoft.com/office/drawing/2014/main" xmlns="" val="531162653"/>
                   </a:ext>
                 </a:extLst>
               </a:tr>
@@ -6061,7 +6104,7 @@
                 </a:tc>
                 <a:extLst>
                   <a:ext uri="{0D108BD9-81ED-4DB2-BD59-A6C34878D82A}">
-                    <a16:rowId xmlns:a16="http://schemas.microsoft.com/office/drawing/2014/main" val="3449784839"/>
+                    <a16:rowId xmlns:a16="http://schemas.microsoft.com/office/drawing/2014/main" xmlns="" val="3449784839"/>
                   </a:ext>
                 </a:extLst>
               </a:tr>
@@ -6254,7 +6297,7 @@
                 </a:tc>
                 <a:extLst>
                   <a:ext uri="{0D108BD9-81ED-4DB2-BD59-A6C34878D82A}">
-                    <a16:rowId xmlns:a16="http://schemas.microsoft.com/office/drawing/2014/main" val="680863071"/>
+                    <a16:rowId xmlns:a16="http://schemas.microsoft.com/office/drawing/2014/main" xmlns="" val="680863071"/>
                   </a:ext>
                 </a:extLst>
               </a:tr>
@@ -6447,7 +6490,7 @@
                 </a:tc>
                 <a:extLst>
                   <a:ext uri="{0D108BD9-81ED-4DB2-BD59-A6C34878D82A}">
-                    <a16:rowId xmlns:a16="http://schemas.microsoft.com/office/drawing/2014/main" val="2420299132"/>
+                    <a16:rowId xmlns:a16="http://schemas.microsoft.com/office/drawing/2014/main" xmlns="" val="2420299132"/>
                   </a:ext>
                 </a:extLst>
               </a:tr>
@@ -6640,7 +6683,7 @@
                 </a:tc>
                 <a:extLst>
                   <a:ext uri="{0D108BD9-81ED-4DB2-BD59-A6C34878D82A}">
-                    <a16:rowId xmlns:a16="http://schemas.microsoft.com/office/drawing/2014/main" val="3194571949"/>
+                    <a16:rowId xmlns:a16="http://schemas.microsoft.com/office/drawing/2014/main" xmlns="" val="3194571949"/>
                   </a:ext>
                 </a:extLst>
               </a:tr>
@@ -6833,7 +6876,7 @@
                 </a:tc>
                 <a:extLst>
                   <a:ext uri="{0D108BD9-81ED-4DB2-BD59-A6C34878D82A}">
-                    <a16:rowId xmlns:a16="http://schemas.microsoft.com/office/drawing/2014/main" val="2613439171"/>
+                    <a16:rowId xmlns:a16="http://schemas.microsoft.com/office/drawing/2014/main" xmlns="" val="2613439171"/>
                   </a:ext>
                 </a:extLst>
               </a:tr>
@@ -7026,7 +7069,7 @@
                 </a:tc>
                 <a:extLst>
                   <a:ext uri="{0D108BD9-81ED-4DB2-BD59-A6C34878D82A}">
-                    <a16:rowId xmlns:a16="http://schemas.microsoft.com/office/drawing/2014/main" val="542404034"/>
+                    <a16:rowId xmlns:a16="http://schemas.microsoft.com/office/drawing/2014/main" xmlns="" val="542404034"/>
                   </a:ext>
                 </a:extLst>
               </a:tr>
@@ -7039,7 +7082,7 @@
           <p:cNvPr id="6" name="Picture 2" descr="Uma imagem contendo bola, mesa, quarto&#10;&#10;Descrição gerada automaticamente">
             <a:extLst>
               <a:ext uri="{FF2B5EF4-FFF2-40B4-BE49-F238E27FC236}">
-                <a16:creationId xmlns:a16="http://schemas.microsoft.com/office/drawing/2014/main" id="{ADAAE8E7-98FC-475F-9C81-75C93DCEC698}"/>
+                <a16:creationId xmlns:a16="http://schemas.microsoft.com/office/drawing/2014/main" xmlns="" id="{ADAAE8E7-98FC-475F-9C81-75C93DCEC698}"/>
               </a:ext>
             </a:extLst>
           </p:cNvPr>
@@ -7221,7 +7264,7 @@
           <p:cNvPr id="1026" name="Picture 2" descr="Uma imagem contendo bola, mesa, quarto&#10;&#10;Descrição gerada automaticamente">
             <a:extLst>
               <a:ext uri="{FF2B5EF4-FFF2-40B4-BE49-F238E27FC236}">
-                <a16:creationId xmlns:a16="http://schemas.microsoft.com/office/drawing/2014/main" id="{ADAAE8E7-98FC-475F-9C81-75C93DCEC698}"/>
+                <a16:creationId xmlns:a16="http://schemas.microsoft.com/office/drawing/2014/main" xmlns="" id="{ADAAE8E7-98FC-475F-9C81-75C93DCEC698}"/>
               </a:ext>
             </a:extLst>
           </p:cNvPr>
@@ -7680,7 +7723,7 @@
           <p:cNvPr id="8" name="Picture 2" descr="Uma imagem contendo bola, mesa, quarto&#10;&#10;Descrição gerada automaticamente">
             <a:extLst>
               <a:ext uri="{FF2B5EF4-FFF2-40B4-BE49-F238E27FC236}">
-                <a16:creationId xmlns:a16="http://schemas.microsoft.com/office/drawing/2014/main" id="{ADAAE8E7-98FC-475F-9C81-75C93DCEC698}"/>
+                <a16:creationId xmlns:a16="http://schemas.microsoft.com/office/drawing/2014/main" xmlns="" id="{ADAAE8E7-98FC-475F-9C81-75C93DCEC698}"/>
               </a:ext>
             </a:extLst>
           </p:cNvPr>
@@ -8107,7 +8150,7 @@
           <p:cNvPr id="8" name="Picture 2" descr="Uma imagem contendo bola, mesa, quarto&#10;&#10;Descrição gerada automaticamente">
             <a:extLst>
               <a:ext uri="{FF2B5EF4-FFF2-40B4-BE49-F238E27FC236}">
-                <a16:creationId xmlns:a16="http://schemas.microsoft.com/office/drawing/2014/main" id="{ADAAE8E7-98FC-475F-9C81-75C93DCEC698}"/>
+                <a16:creationId xmlns:a16="http://schemas.microsoft.com/office/drawing/2014/main" xmlns="" id="{ADAAE8E7-98FC-475F-9C81-75C93DCEC698}"/>
               </a:ext>
             </a:extLst>
           </p:cNvPr>
@@ -8236,7 +8279,7 @@
           <p:cNvPr id="5" name="CaixaDeTexto 4">
             <a:extLst>
               <a:ext uri="{FF2B5EF4-FFF2-40B4-BE49-F238E27FC236}">
-                <a16:creationId xmlns:a16="http://schemas.microsoft.com/office/drawing/2014/main" id="{95B4942A-53F3-4287-93BF-1B226991BED6}"/>
+                <a16:creationId xmlns:a16="http://schemas.microsoft.com/office/drawing/2014/main" xmlns="" id="{95B4942A-53F3-4287-93BF-1B226991BED6}"/>
               </a:ext>
             </a:extLst>
           </p:cNvPr>
@@ -8429,7 +8472,7 @@
           <p:cNvPr id="6" name="Picture 2" descr="Uma imagem contendo bola, mesa, quarto&#10;&#10;Descrição gerada automaticamente">
             <a:extLst>
               <a:ext uri="{FF2B5EF4-FFF2-40B4-BE49-F238E27FC236}">
-                <a16:creationId xmlns:a16="http://schemas.microsoft.com/office/drawing/2014/main" id="{ADAAE8E7-98FC-475F-9C81-75C93DCEC698}"/>
+                <a16:creationId xmlns:a16="http://schemas.microsoft.com/office/drawing/2014/main" xmlns="" id="{ADAAE8E7-98FC-475F-9C81-75C93DCEC698}"/>
               </a:ext>
             </a:extLst>
           </p:cNvPr>
@@ -8614,7 +8657,7 @@
           <p:cNvPr id="5" name="Picture 2" descr="Uma imagem contendo bola, mesa, quarto&#10;&#10;Descrição gerada automaticamente">
             <a:extLst>
               <a:ext uri="{FF2B5EF4-FFF2-40B4-BE49-F238E27FC236}">
-                <a16:creationId xmlns:a16="http://schemas.microsoft.com/office/drawing/2014/main" id="{ADAAE8E7-98FC-475F-9C81-75C93DCEC698}"/>
+                <a16:creationId xmlns:a16="http://schemas.microsoft.com/office/drawing/2014/main" xmlns="" id="{ADAAE8E7-98FC-475F-9C81-75C93DCEC698}"/>
               </a:ext>
             </a:extLst>
           </p:cNvPr>
@@ -8952,7 +8995,7 @@
           <p:cNvPr id="4" name="CaixaDeTexto 3">
             <a:extLst>
               <a:ext uri="{FF2B5EF4-FFF2-40B4-BE49-F238E27FC236}">
-                <a16:creationId xmlns:a16="http://schemas.microsoft.com/office/drawing/2014/main" id="{E4FD0030-1AD1-4D6F-998B-E6084B8DBBDE}"/>
+                <a16:creationId xmlns:a16="http://schemas.microsoft.com/office/drawing/2014/main" xmlns="" id="{E4FD0030-1AD1-4D6F-998B-E6084B8DBBDE}"/>
               </a:ext>
             </a:extLst>
           </p:cNvPr>
@@ -9075,7 +9118,7 @@
           <p:cNvPr id="5" name="Picture 2" descr="Uma imagem contendo bola, mesa, quarto&#10;&#10;Descrição gerada automaticamente">
             <a:extLst>
               <a:ext uri="{FF2B5EF4-FFF2-40B4-BE49-F238E27FC236}">
-                <a16:creationId xmlns:a16="http://schemas.microsoft.com/office/drawing/2014/main" id="{ADAAE8E7-98FC-475F-9C81-75C93DCEC698}"/>
+                <a16:creationId xmlns:a16="http://schemas.microsoft.com/office/drawing/2014/main" xmlns="" id="{ADAAE8E7-98FC-475F-9C81-75C93DCEC698}"/>
               </a:ext>
             </a:extLst>
           </p:cNvPr>

--- a/Apresentação/Apresentação.pptx
+++ b/Apresentação/Apresentação.pptx
@@ -165,7 +165,7 @@
           </a:lstStyle>
           <a:p>
             <a:r>
-              <a:rPr lang="pt-BR" smtClean="0"/>
+              <a:rPr lang="pt-BR"/>
               <a:t>Clique para editar o título mestre</a:t>
             </a:r>
             <a:endParaRPr lang="en-US" dirty="0"/>
@@ -230,7 +230,7 @@
           </a:lstStyle>
           <a:p>
             <a:r>
-              <a:rPr lang="pt-BR" smtClean="0"/>
+              <a:rPr lang="pt-BR"/>
               <a:t>Clique para editar o estilo do subtítulo Mestre</a:t>
             </a:r>
             <a:endParaRPr lang="en-US" dirty="0"/>
@@ -254,7 +254,7 @@
           <a:p>
             <a:fld id="{1FE95C1F-3B94-4213-9793-2A9E61FD5042}" type="datetimeFigureOut">
               <a:rPr lang="pt-BR" smtClean="0"/>
-              <a:t>11/03/2020</a:t>
+              <a:t>12/03/2020</a:t>
             </a:fld>
             <a:endParaRPr lang="pt-BR"/>
           </a:p>
@@ -348,7 +348,7 @@
           <a:lstStyle/>
           <a:p>
             <a:r>
-              <a:rPr lang="pt-BR" smtClean="0"/>
+              <a:rPr lang="pt-BR"/>
               <a:t>Clique para editar o título mestre</a:t>
             </a:r>
             <a:endParaRPr lang="en-US" dirty="0"/>
@@ -372,35 +372,35 @@
           <a:p>
             <a:pPr lvl="0"/>
             <a:r>
-              <a:rPr lang="pt-BR" smtClean="0"/>
+              <a:rPr lang="pt-BR"/>
               <a:t>Editar estilos de texto Mestre</a:t>
             </a:r>
           </a:p>
           <a:p>
             <a:pPr lvl="1"/>
             <a:r>
-              <a:rPr lang="pt-BR" smtClean="0"/>
+              <a:rPr lang="pt-BR"/>
               <a:t>Segundo nível</a:t>
             </a:r>
           </a:p>
           <a:p>
             <a:pPr lvl="2"/>
             <a:r>
-              <a:rPr lang="pt-BR" smtClean="0"/>
+              <a:rPr lang="pt-BR"/>
               <a:t>Terceiro nível</a:t>
             </a:r>
           </a:p>
           <a:p>
             <a:pPr lvl="3"/>
             <a:r>
-              <a:rPr lang="pt-BR" smtClean="0"/>
+              <a:rPr lang="pt-BR"/>
               <a:t>Quarto nível</a:t>
             </a:r>
           </a:p>
           <a:p>
             <a:pPr lvl="4"/>
             <a:r>
-              <a:rPr lang="pt-BR" smtClean="0"/>
+              <a:rPr lang="pt-BR"/>
               <a:t>Quinto nível</a:t>
             </a:r>
             <a:endParaRPr lang="en-US" dirty="0"/>
@@ -424,7 +424,7 @@
           <a:p>
             <a:fld id="{1FE95C1F-3B94-4213-9793-2A9E61FD5042}" type="datetimeFigureOut">
               <a:rPr lang="pt-BR" smtClean="0"/>
-              <a:t>11/03/2020</a:t>
+              <a:t>12/03/2020</a:t>
             </a:fld>
             <a:endParaRPr lang="pt-BR"/>
           </a:p>
@@ -523,7 +523,7 @@
           <a:lstStyle/>
           <a:p>
             <a:r>
-              <a:rPr lang="pt-BR" smtClean="0"/>
+              <a:rPr lang="pt-BR"/>
               <a:t>Clique para editar o título mestre</a:t>
             </a:r>
             <a:endParaRPr lang="en-US" dirty="0"/>
@@ -552,35 +552,35 @@
           <a:p>
             <a:pPr lvl="0"/>
             <a:r>
-              <a:rPr lang="pt-BR" smtClean="0"/>
+              <a:rPr lang="pt-BR"/>
               <a:t>Editar estilos de texto Mestre</a:t>
             </a:r>
           </a:p>
           <a:p>
             <a:pPr lvl="1"/>
             <a:r>
-              <a:rPr lang="pt-BR" smtClean="0"/>
+              <a:rPr lang="pt-BR"/>
               <a:t>Segundo nível</a:t>
             </a:r>
           </a:p>
           <a:p>
             <a:pPr lvl="2"/>
             <a:r>
-              <a:rPr lang="pt-BR" smtClean="0"/>
+              <a:rPr lang="pt-BR"/>
               <a:t>Terceiro nível</a:t>
             </a:r>
           </a:p>
           <a:p>
             <a:pPr lvl="3"/>
             <a:r>
-              <a:rPr lang="pt-BR" smtClean="0"/>
+              <a:rPr lang="pt-BR"/>
               <a:t>Quarto nível</a:t>
             </a:r>
           </a:p>
           <a:p>
             <a:pPr lvl="4"/>
             <a:r>
-              <a:rPr lang="pt-BR" smtClean="0"/>
+              <a:rPr lang="pt-BR"/>
               <a:t>Quinto nível</a:t>
             </a:r>
             <a:endParaRPr lang="en-US" dirty="0"/>
@@ -604,7 +604,7 @@
           <a:p>
             <a:fld id="{1FE95C1F-3B94-4213-9793-2A9E61FD5042}" type="datetimeFigureOut">
               <a:rPr lang="pt-BR" smtClean="0"/>
-              <a:t>11/03/2020</a:t>
+              <a:t>12/03/2020</a:t>
             </a:fld>
             <a:endParaRPr lang="pt-BR"/>
           </a:p>
@@ -698,7 +698,7 @@
           <a:lstStyle/>
           <a:p>
             <a:r>
-              <a:rPr lang="pt-BR" smtClean="0"/>
+              <a:rPr lang="pt-BR"/>
               <a:t>Clique para editar o título mestre</a:t>
             </a:r>
             <a:endParaRPr lang="en-US" dirty="0"/>
@@ -722,35 +722,35 @@
           <a:p>
             <a:pPr lvl="0"/>
             <a:r>
-              <a:rPr lang="pt-BR" smtClean="0"/>
+              <a:rPr lang="pt-BR"/>
               <a:t>Editar estilos de texto Mestre</a:t>
             </a:r>
           </a:p>
           <a:p>
             <a:pPr lvl="1"/>
             <a:r>
-              <a:rPr lang="pt-BR" smtClean="0"/>
+              <a:rPr lang="pt-BR"/>
               <a:t>Segundo nível</a:t>
             </a:r>
           </a:p>
           <a:p>
             <a:pPr lvl="2"/>
             <a:r>
-              <a:rPr lang="pt-BR" smtClean="0"/>
+              <a:rPr lang="pt-BR"/>
               <a:t>Terceiro nível</a:t>
             </a:r>
           </a:p>
           <a:p>
             <a:pPr lvl="3"/>
             <a:r>
-              <a:rPr lang="pt-BR" smtClean="0"/>
+              <a:rPr lang="pt-BR"/>
               <a:t>Quarto nível</a:t>
             </a:r>
           </a:p>
           <a:p>
             <a:pPr lvl="4"/>
             <a:r>
-              <a:rPr lang="pt-BR" smtClean="0"/>
+              <a:rPr lang="pt-BR"/>
               <a:t>Quinto nível</a:t>
             </a:r>
             <a:endParaRPr lang="en-US" dirty="0"/>
@@ -774,7 +774,7 @@
           <a:p>
             <a:fld id="{1FE95C1F-3B94-4213-9793-2A9E61FD5042}" type="datetimeFigureOut">
               <a:rPr lang="pt-BR" smtClean="0"/>
-              <a:t>11/03/2020</a:t>
+              <a:t>12/03/2020</a:t>
             </a:fld>
             <a:endParaRPr lang="pt-BR"/>
           </a:p>
@@ -877,7 +877,7 @@
           </a:lstStyle>
           <a:p>
             <a:r>
-              <a:rPr lang="pt-BR" smtClean="0"/>
+              <a:rPr lang="pt-BR"/>
               <a:t>Clique para editar o título mestre</a:t>
             </a:r>
             <a:endParaRPr lang="en-US" dirty="0"/>
@@ -997,7 +997,7 @@
           <a:p>
             <a:pPr lvl="0"/>
             <a:r>
-              <a:rPr lang="pt-BR" smtClean="0"/>
+              <a:rPr lang="pt-BR"/>
               <a:t>Editar estilos de texto Mestre</a:t>
             </a:r>
           </a:p>
@@ -1020,7 +1020,7 @@
           <a:p>
             <a:fld id="{1FE95C1F-3B94-4213-9793-2A9E61FD5042}" type="datetimeFigureOut">
               <a:rPr lang="pt-BR" smtClean="0"/>
-              <a:t>11/03/2020</a:t>
+              <a:t>12/03/2020</a:t>
             </a:fld>
             <a:endParaRPr lang="pt-BR"/>
           </a:p>
@@ -1114,7 +1114,7 @@
           <a:lstStyle/>
           <a:p>
             <a:r>
-              <a:rPr lang="pt-BR" smtClean="0"/>
+              <a:rPr lang="pt-BR"/>
               <a:t>Clique para editar o título mestre</a:t>
             </a:r>
             <a:endParaRPr lang="en-US" dirty="0"/>
@@ -1143,35 +1143,35 @@
           <a:p>
             <a:pPr lvl="0"/>
             <a:r>
-              <a:rPr lang="pt-BR" smtClean="0"/>
+              <a:rPr lang="pt-BR"/>
               <a:t>Editar estilos de texto Mestre</a:t>
             </a:r>
           </a:p>
           <a:p>
             <a:pPr lvl="1"/>
             <a:r>
-              <a:rPr lang="pt-BR" smtClean="0"/>
+              <a:rPr lang="pt-BR"/>
               <a:t>Segundo nível</a:t>
             </a:r>
           </a:p>
           <a:p>
             <a:pPr lvl="2"/>
             <a:r>
-              <a:rPr lang="pt-BR" smtClean="0"/>
+              <a:rPr lang="pt-BR"/>
               <a:t>Terceiro nível</a:t>
             </a:r>
           </a:p>
           <a:p>
             <a:pPr lvl="3"/>
             <a:r>
-              <a:rPr lang="pt-BR" smtClean="0"/>
+              <a:rPr lang="pt-BR"/>
               <a:t>Quarto nível</a:t>
             </a:r>
           </a:p>
           <a:p>
             <a:pPr lvl="4"/>
             <a:r>
-              <a:rPr lang="pt-BR" smtClean="0"/>
+              <a:rPr lang="pt-BR"/>
               <a:t>Quinto nível</a:t>
             </a:r>
             <a:endParaRPr lang="en-US" dirty="0"/>
@@ -1200,35 +1200,35 @@
           <a:p>
             <a:pPr lvl="0"/>
             <a:r>
-              <a:rPr lang="pt-BR" smtClean="0"/>
+              <a:rPr lang="pt-BR"/>
               <a:t>Editar estilos de texto Mestre</a:t>
             </a:r>
           </a:p>
           <a:p>
             <a:pPr lvl="1"/>
             <a:r>
-              <a:rPr lang="pt-BR" smtClean="0"/>
+              <a:rPr lang="pt-BR"/>
               <a:t>Segundo nível</a:t>
             </a:r>
           </a:p>
           <a:p>
             <a:pPr lvl="2"/>
             <a:r>
-              <a:rPr lang="pt-BR" smtClean="0"/>
+              <a:rPr lang="pt-BR"/>
               <a:t>Terceiro nível</a:t>
             </a:r>
           </a:p>
           <a:p>
             <a:pPr lvl="3"/>
             <a:r>
-              <a:rPr lang="pt-BR" smtClean="0"/>
+              <a:rPr lang="pt-BR"/>
               <a:t>Quarto nível</a:t>
             </a:r>
           </a:p>
           <a:p>
             <a:pPr lvl="4"/>
             <a:r>
-              <a:rPr lang="pt-BR" smtClean="0"/>
+              <a:rPr lang="pt-BR"/>
               <a:t>Quinto nível</a:t>
             </a:r>
             <a:endParaRPr lang="en-US" dirty="0"/>
@@ -1252,7 +1252,7 @@
           <a:p>
             <a:fld id="{1FE95C1F-3B94-4213-9793-2A9E61FD5042}" type="datetimeFigureOut">
               <a:rPr lang="pt-BR" smtClean="0"/>
-              <a:t>11/03/2020</a:t>
+              <a:t>12/03/2020</a:t>
             </a:fld>
             <a:endParaRPr lang="pt-BR"/>
           </a:p>
@@ -1351,7 +1351,7 @@
           <a:lstStyle/>
           <a:p>
             <a:r>
-              <a:rPr lang="pt-BR" smtClean="0"/>
+              <a:rPr lang="pt-BR"/>
               <a:t>Clique para editar o título mestre</a:t>
             </a:r>
             <a:endParaRPr lang="en-US" dirty="0"/>
@@ -1417,7 +1417,7 @@
           <a:p>
             <a:pPr lvl="0"/>
             <a:r>
-              <a:rPr lang="pt-BR" smtClean="0"/>
+              <a:rPr lang="pt-BR"/>
               <a:t>Editar estilos de texto Mestre</a:t>
             </a:r>
           </a:p>
@@ -1445,35 +1445,35 @@
           <a:p>
             <a:pPr lvl="0"/>
             <a:r>
-              <a:rPr lang="pt-BR" smtClean="0"/>
+              <a:rPr lang="pt-BR"/>
               <a:t>Editar estilos de texto Mestre</a:t>
             </a:r>
           </a:p>
           <a:p>
             <a:pPr lvl="1"/>
             <a:r>
-              <a:rPr lang="pt-BR" smtClean="0"/>
+              <a:rPr lang="pt-BR"/>
               <a:t>Segundo nível</a:t>
             </a:r>
           </a:p>
           <a:p>
             <a:pPr lvl="2"/>
             <a:r>
-              <a:rPr lang="pt-BR" smtClean="0"/>
+              <a:rPr lang="pt-BR"/>
               <a:t>Terceiro nível</a:t>
             </a:r>
           </a:p>
           <a:p>
             <a:pPr lvl="3"/>
             <a:r>
-              <a:rPr lang="pt-BR" smtClean="0"/>
+              <a:rPr lang="pt-BR"/>
               <a:t>Quarto nível</a:t>
             </a:r>
           </a:p>
           <a:p>
             <a:pPr lvl="4"/>
             <a:r>
-              <a:rPr lang="pt-BR" smtClean="0"/>
+              <a:rPr lang="pt-BR"/>
               <a:t>Quinto nível</a:t>
             </a:r>
             <a:endParaRPr lang="en-US" dirty="0"/>
@@ -1539,7 +1539,7 @@
           <a:p>
             <a:pPr lvl="0"/>
             <a:r>
-              <a:rPr lang="pt-BR" smtClean="0"/>
+              <a:rPr lang="pt-BR"/>
               <a:t>Editar estilos de texto Mestre</a:t>
             </a:r>
           </a:p>
@@ -1567,35 +1567,35 @@
           <a:p>
             <a:pPr lvl="0"/>
             <a:r>
-              <a:rPr lang="pt-BR" smtClean="0"/>
+              <a:rPr lang="pt-BR"/>
               <a:t>Editar estilos de texto Mestre</a:t>
             </a:r>
           </a:p>
           <a:p>
             <a:pPr lvl="1"/>
             <a:r>
-              <a:rPr lang="pt-BR" smtClean="0"/>
+              <a:rPr lang="pt-BR"/>
               <a:t>Segundo nível</a:t>
             </a:r>
           </a:p>
           <a:p>
             <a:pPr lvl="2"/>
             <a:r>
-              <a:rPr lang="pt-BR" smtClean="0"/>
+              <a:rPr lang="pt-BR"/>
               <a:t>Terceiro nível</a:t>
             </a:r>
           </a:p>
           <a:p>
             <a:pPr lvl="3"/>
             <a:r>
-              <a:rPr lang="pt-BR" smtClean="0"/>
+              <a:rPr lang="pt-BR"/>
               <a:t>Quarto nível</a:t>
             </a:r>
           </a:p>
           <a:p>
             <a:pPr lvl="4"/>
             <a:r>
-              <a:rPr lang="pt-BR" smtClean="0"/>
+              <a:rPr lang="pt-BR"/>
               <a:t>Quinto nível</a:t>
             </a:r>
             <a:endParaRPr lang="en-US" dirty="0"/>
@@ -1619,7 +1619,7 @@
           <a:p>
             <a:fld id="{1FE95C1F-3B94-4213-9793-2A9E61FD5042}" type="datetimeFigureOut">
               <a:rPr lang="pt-BR" smtClean="0"/>
-              <a:t>11/03/2020</a:t>
+              <a:t>12/03/2020</a:t>
             </a:fld>
             <a:endParaRPr lang="pt-BR"/>
           </a:p>
@@ -1713,7 +1713,7 @@
           <a:lstStyle/>
           <a:p>
             <a:r>
-              <a:rPr lang="pt-BR" smtClean="0"/>
+              <a:rPr lang="pt-BR"/>
               <a:t>Clique para editar o título mestre</a:t>
             </a:r>
             <a:endParaRPr lang="en-US" dirty="0"/>
@@ -1737,7 +1737,7 @@
           <a:p>
             <a:fld id="{1FE95C1F-3B94-4213-9793-2A9E61FD5042}" type="datetimeFigureOut">
               <a:rPr lang="pt-BR" smtClean="0"/>
-              <a:t>11/03/2020</a:t>
+              <a:t>12/03/2020</a:t>
             </a:fld>
             <a:endParaRPr lang="pt-BR"/>
           </a:p>
@@ -1832,7 +1832,7 @@
           <a:p>
             <a:fld id="{1FE95C1F-3B94-4213-9793-2A9E61FD5042}" type="datetimeFigureOut">
               <a:rPr lang="pt-BR" smtClean="0"/>
-              <a:t>11/03/2020</a:t>
+              <a:t>12/03/2020</a:t>
             </a:fld>
             <a:endParaRPr lang="pt-BR"/>
           </a:p>
@@ -1935,7 +1935,7 @@
           </a:lstStyle>
           <a:p>
             <a:r>
-              <a:rPr lang="pt-BR" smtClean="0"/>
+              <a:rPr lang="pt-BR"/>
               <a:t>Clique para editar o título mestre</a:t>
             </a:r>
             <a:endParaRPr lang="en-US" dirty="0"/>
@@ -1992,35 +1992,35 @@
           <a:p>
             <a:pPr lvl="0"/>
             <a:r>
-              <a:rPr lang="pt-BR" smtClean="0"/>
+              <a:rPr lang="pt-BR"/>
               <a:t>Editar estilos de texto Mestre</a:t>
             </a:r>
           </a:p>
           <a:p>
             <a:pPr lvl="1"/>
             <a:r>
-              <a:rPr lang="pt-BR" smtClean="0"/>
+              <a:rPr lang="pt-BR"/>
               <a:t>Segundo nível</a:t>
             </a:r>
           </a:p>
           <a:p>
             <a:pPr lvl="2"/>
             <a:r>
-              <a:rPr lang="pt-BR" smtClean="0"/>
+              <a:rPr lang="pt-BR"/>
               <a:t>Terceiro nível</a:t>
             </a:r>
           </a:p>
           <a:p>
             <a:pPr lvl="3"/>
             <a:r>
-              <a:rPr lang="pt-BR" smtClean="0"/>
+              <a:rPr lang="pt-BR"/>
               <a:t>Quarto nível</a:t>
             </a:r>
           </a:p>
           <a:p>
             <a:pPr lvl="4"/>
             <a:r>
-              <a:rPr lang="pt-BR" smtClean="0"/>
+              <a:rPr lang="pt-BR"/>
               <a:t>Quinto nível</a:t>
             </a:r>
             <a:endParaRPr lang="en-US" dirty="0"/>
@@ -2086,7 +2086,7 @@
           <a:p>
             <a:pPr lvl="0"/>
             <a:r>
-              <a:rPr lang="pt-BR" smtClean="0"/>
+              <a:rPr lang="pt-BR"/>
               <a:t>Editar estilos de texto Mestre</a:t>
             </a:r>
           </a:p>
@@ -2109,7 +2109,7 @@
           <a:p>
             <a:fld id="{1FE95C1F-3B94-4213-9793-2A9E61FD5042}" type="datetimeFigureOut">
               <a:rPr lang="pt-BR" smtClean="0"/>
-              <a:t>11/03/2020</a:t>
+              <a:t>12/03/2020</a:t>
             </a:fld>
             <a:endParaRPr lang="pt-BR"/>
           </a:p>
@@ -2212,7 +2212,7 @@
           </a:lstStyle>
           <a:p>
             <a:r>
-              <a:rPr lang="pt-BR" smtClean="0"/>
+              <a:rPr lang="pt-BR"/>
               <a:t>Clique para editar o título mestre</a:t>
             </a:r>
             <a:endParaRPr lang="en-US" dirty="0"/>
@@ -2277,7 +2277,7 @@
           </a:lstStyle>
           <a:p>
             <a:r>
-              <a:rPr lang="pt-BR" smtClean="0"/>
+              <a:rPr lang="pt-BR"/>
               <a:t>Clique no ícone para adicionar uma imagem</a:t>
             </a:r>
             <a:endParaRPr lang="en-US" dirty="0"/>
@@ -2343,7 +2343,7 @@
           <a:p>
             <a:pPr lvl="0"/>
             <a:r>
-              <a:rPr lang="pt-BR" smtClean="0"/>
+              <a:rPr lang="pt-BR"/>
               <a:t>Editar estilos de texto Mestre</a:t>
             </a:r>
           </a:p>
@@ -2366,7 +2366,7 @@
           <a:p>
             <a:fld id="{1FE95C1F-3B94-4213-9793-2A9E61FD5042}" type="datetimeFigureOut">
               <a:rPr lang="pt-BR" smtClean="0"/>
-              <a:t>11/03/2020</a:t>
+              <a:t>12/03/2020</a:t>
             </a:fld>
             <a:endParaRPr lang="pt-BR"/>
           </a:p>
@@ -2475,7 +2475,7 @@
           <a:lstStyle/>
           <a:p>
             <a:r>
-              <a:rPr lang="pt-BR" smtClean="0"/>
+              <a:rPr lang="pt-BR"/>
               <a:t>Clique para editar o título mestre</a:t>
             </a:r>
             <a:endParaRPr lang="en-US" dirty="0"/>
@@ -2509,35 +2509,35 @@
           <a:p>
             <a:pPr lvl="0"/>
             <a:r>
-              <a:rPr lang="pt-BR" smtClean="0"/>
+              <a:rPr lang="pt-BR"/>
               <a:t>Editar estilos de texto Mestre</a:t>
             </a:r>
           </a:p>
           <a:p>
             <a:pPr lvl="1"/>
             <a:r>
-              <a:rPr lang="pt-BR" smtClean="0"/>
+              <a:rPr lang="pt-BR"/>
               <a:t>Segundo nível</a:t>
             </a:r>
           </a:p>
           <a:p>
             <a:pPr lvl="2"/>
             <a:r>
-              <a:rPr lang="pt-BR" smtClean="0"/>
+              <a:rPr lang="pt-BR"/>
               <a:t>Terceiro nível</a:t>
             </a:r>
           </a:p>
           <a:p>
             <a:pPr lvl="3"/>
             <a:r>
-              <a:rPr lang="pt-BR" smtClean="0"/>
+              <a:rPr lang="pt-BR"/>
               <a:t>Quarto nível</a:t>
             </a:r>
           </a:p>
           <a:p>
             <a:pPr lvl="4"/>
             <a:r>
-              <a:rPr lang="pt-BR" smtClean="0"/>
+              <a:rPr lang="pt-BR"/>
               <a:t>Quinto nível</a:t>
             </a:r>
             <a:endParaRPr lang="en-US" dirty="0"/>
@@ -2579,7 +2579,7 @@
           <a:p>
             <a:fld id="{1FE95C1F-3B94-4213-9793-2A9E61FD5042}" type="datetimeFigureOut">
               <a:rPr lang="pt-BR" smtClean="0"/>
-              <a:t>11/03/2020</a:t>
+              <a:t>12/03/2020</a:t>
             </a:fld>
             <a:endParaRPr lang="pt-BR"/>
           </a:p>
@@ -3032,13 +3032,6 @@
   <p:clrMapOvr>
     <a:masterClrMapping/>
   </p:clrMapOvr>
-  <p:timing>
-    <p:tnLst>
-      <p:par>
-        <p:cTn id="1" dur="indefinite" restart="never" nodeType="tmRoot"/>
-      </p:par>
-    </p:tnLst>
-  </p:timing>
 </p:sld>
 </file>
 
@@ -3115,7 +3108,7 @@
           </a:lstStyle>
           <a:p>
             <a:r>
-              <a:rPr lang="pt-BR" sz="4800" b="1" dirty="0" smtClean="0">
+              <a:rPr lang="pt-BR" sz="4800" b="1" dirty="0">
                 <a:solidFill>
                   <a:srgbClr val="B1F294"/>
                 </a:solidFill>
@@ -3153,7 +3146,7 @@
           <a:lstStyle/>
           <a:p>
             <a:r>
-              <a:rPr lang="pt-BR" sz="2000" b="1" dirty="0" smtClean="0">
+              <a:rPr lang="pt-BR" sz="2000" b="1" dirty="0">
                 <a:solidFill>
                   <a:schemeClr val="bg1"/>
                 </a:solidFill>
@@ -3161,14 +3154,14 @@
               <a:t>Utilizamos como exemplo o prédio Digital </a:t>
             </a:r>
             <a:r>
-              <a:rPr lang="pt-BR" sz="2000" b="1" dirty="0" err="1" smtClean="0">
+              <a:rPr lang="pt-BR" sz="2000" b="1" dirty="0" err="1">
                 <a:solidFill>
                   <a:schemeClr val="bg1"/>
                 </a:solidFill>
               </a:rPr>
               <a:t>School</a:t>
             </a:r>
-            <a:endParaRPr lang="pt-BR" sz="2000" b="1" dirty="0" smtClean="0">
+            <a:endParaRPr lang="pt-BR" sz="2000" b="1" dirty="0">
               <a:solidFill>
                 <a:schemeClr val="bg1"/>
               </a:solidFill>
@@ -3181,29 +3174,8 @@
                   <a:schemeClr val="bg1"/>
                 </a:solidFill>
               </a:rPr>
-              <a:t>e</a:t>
-            </a:r>
-            <a:r>
-              <a:rPr lang="pt-BR" sz="2000" b="1" smtClean="0">
-                <a:solidFill>
-                  <a:schemeClr val="bg1"/>
-                </a:solidFill>
-              </a:rPr>
-              <a:t>stimamos </a:t>
-            </a:r>
-            <a:r>
-              <a:rPr lang="pt-BR" sz="2000" b="1" dirty="0" smtClean="0">
-                <a:solidFill>
-                  <a:schemeClr val="bg1"/>
-                </a:solidFill>
-              </a:rPr>
-              <a:t>um total de 616 lâmpadas</a:t>
-            </a:r>
-            <a:endParaRPr lang="pt-BR" sz="2000" b="1" dirty="0">
-              <a:solidFill>
-                <a:schemeClr val="bg1"/>
-              </a:solidFill>
-            </a:endParaRPr>
+              <a:t>estimamos um total de 616 lâmpadas</a:t>
+            </a:r>
           </a:p>
           <a:p>
             <a:r>
@@ -3212,31 +3184,57 @@
                   <a:schemeClr val="bg1"/>
                 </a:solidFill>
               </a:rPr>
-              <a:t>a</a:t>
-            </a:r>
-            <a:r>
-              <a:rPr lang="pt-BR" sz="2000" b="1" smtClean="0">
-                <a:solidFill>
-                  <a:schemeClr val="bg1"/>
-                </a:solidFill>
-              </a:rPr>
-              <a:t>nalisamos </a:t>
-            </a:r>
-            <a:r>
-              <a:rPr lang="pt-BR" sz="2000" b="1" dirty="0" smtClean="0">
-                <a:solidFill>
-                  <a:schemeClr val="bg1"/>
-                </a:solidFill>
-              </a:rPr>
-              <a:t>a necessidade de </a:t>
-            </a:r>
-            <a:r>
-              <a:rPr lang="pt-BR" sz="2000" b="1" dirty="0" err="1" smtClean="0">
+              <a:t>analisamos a necessidade de </a:t>
+            </a:r>
+            <a:r>
+              <a:rPr lang="pt-BR" sz="2000" b="1" dirty="0" err="1">
                 <a:solidFill>
                   <a:schemeClr val="bg1"/>
                 </a:solidFill>
               </a:rPr>
               <a:t>arduinos</a:t>
+            </a:r>
+            <a:r>
+              <a:rPr lang="pt-BR" sz="2000" b="1" dirty="0">
+                <a:solidFill>
+                  <a:schemeClr val="bg1"/>
+                </a:solidFill>
+              </a:rPr>
+              <a:t> (1 </a:t>
+            </a:r>
+            <a:r>
+              <a:rPr lang="pt-BR" sz="2000" b="1" dirty="0" err="1">
+                <a:solidFill>
+                  <a:schemeClr val="bg1"/>
+                </a:solidFill>
+              </a:rPr>
+              <a:t>arduino</a:t>
+            </a:r>
+            <a:r>
+              <a:rPr lang="pt-BR" sz="2000" b="1" dirty="0">
+                <a:solidFill>
+                  <a:schemeClr val="bg1"/>
+                </a:solidFill>
+              </a:rPr>
+              <a:t> a cada 4 lâmpadas)</a:t>
+            </a:r>
+          </a:p>
+          <a:p>
+            <a:r>
+              <a:rPr lang="pt-BR" sz="2000" b="1" dirty="0">
+                <a:solidFill>
+                  <a:schemeClr val="bg1"/>
+                </a:solidFill>
+              </a:rPr>
+              <a:t>o custo do serviço será R$150,00 por </a:t>
+            </a:r>
+            <a:r>
+              <a:rPr lang="pt-BR" sz="2000" b="1" dirty="0" err="1">
+                <a:solidFill>
+                  <a:schemeClr val="bg1"/>
+                </a:solidFill>
+              </a:rPr>
+              <a:t>arduíno</a:t>
             </a:r>
             <a:r>
               <a:rPr lang="pt-BR" sz="2000" b="1" dirty="0">
@@ -3246,30 +3244,6 @@
               </a:rPr>
               <a:t> </a:t>
             </a:r>
-            <a:r>
-              <a:rPr lang="pt-BR" sz="2000" b="1" dirty="0" smtClean="0">
-                <a:solidFill>
-                  <a:schemeClr val="bg1"/>
-                </a:solidFill>
-              </a:rPr>
-              <a:t>(1 </a:t>
-            </a:r>
-            <a:r>
-              <a:rPr lang="pt-BR" sz="2000" b="1" dirty="0" err="1" smtClean="0">
-                <a:solidFill>
-                  <a:schemeClr val="bg1"/>
-                </a:solidFill>
-              </a:rPr>
-              <a:t>arduino</a:t>
-            </a:r>
-            <a:r>
-              <a:rPr lang="pt-BR" sz="2000" b="1" dirty="0" smtClean="0">
-                <a:solidFill>
-                  <a:schemeClr val="bg1"/>
-                </a:solidFill>
-              </a:rPr>
-              <a:t> a cada 4 lâmpadas)</a:t>
-            </a:r>
           </a:p>
           <a:p>
             <a:r>
@@ -3278,73 +3252,8 @@
                   <a:schemeClr val="bg1"/>
                 </a:solidFill>
               </a:rPr>
-              <a:t>o</a:t>
-            </a:r>
-            <a:r>
-              <a:rPr lang="pt-BR" sz="2000" b="1" smtClean="0">
-                <a:solidFill>
-                  <a:schemeClr val="bg1"/>
-                </a:solidFill>
-              </a:rPr>
-              <a:t> </a:t>
-            </a:r>
-            <a:r>
-              <a:rPr lang="pt-BR" sz="2000" b="1" dirty="0" smtClean="0">
-                <a:solidFill>
-                  <a:schemeClr val="bg1"/>
-                </a:solidFill>
-              </a:rPr>
-              <a:t>custo do serviço será R$150,00 por </a:t>
-            </a:r>
-            <a:r>
-              <a:rPr lang="pt-BR" sz="2000" b="1" dirty="0" err="1" smtClean="0">
-                <a:solidFill>
-                  <a:schemeClr val="bg1"/>
-                </a:solidFill>
-              </a:rPr>
-              <a:t>arduíno</a:t>
-            </a:r>
-            <a:r>
-              <a:rPr lang="pt-BR" sz="2000" b="1" dirty="0">
-                <a:solidFill>
-                  <a:schemeClr val="bg1"/>
-                </a:solidFill>
-              </a:rPr>
-              <a:t> </a:t>
-            </a:r>
-          </a:p>
-          <a:p>
-            <a:r>
-              <a:rPr lang="pt-BR" sz="2000" b="1" dirty="0">
-                <a:solidFill>
-                  <a:schemeClr val="bg1"/>
-                </a:solidFill>
-              </a:rPr>
-              <a:t>a</a:t>
-            </a:r>
-            <a:r>
-              <a:rPr lang="pt-BR" sz="2000" b="1" smtClean="0">
-                <a:solidFill>
-                  <a:schemeClr val="bg1"/>
-                </a:solidFill>
-              </a:rPr>
-              <a:t> </a:t>
-            </a:r>
-            <a:r>
-              <a:rPr lang="pt-BR" sz="2000" b="1" dirty="0" smtClean="0">
-                <a:solidFill>
-                  <a:schemeClr val="bg1"/>
-                </a:solidFill>
-              </a:rPr>
-              <a:t>anuidade será 30% da economia  anual com o projeto</a:t>
-            </a:r>
-          </a:p>
-          <a:p>
-            <a:endParaRPr lang="pt-BR" sz="2000" b="1" dirty="0" smtClean="0">
-              <a:solidFill>
-                <a:schemeClr val="bg1"/>
-              </a:solidFill>
-            </a:endParaRPr>
+              <a:t>a anuidade será 30% da economia  anual com o projeto</a:t>
+            </a:r>
           </a:p>
           <a:p>
             <a:endParaRPr lang="pt-BR" sz="2000" b="1" dirty="0">
@@ -3354,7 +3263,14 @@
             </a:endParaRPr>
           </a:p>
           <a:p>
-            <a:endParaRPr lang="pt-BR" sz="2000" b="1" dirty="0" smtClean="0">
+            <a:endParaRPr lang="pt-BR" sz="2000" b="1" dirty="0">
+              <a:solidFill>
+                <a:schemeClr val="bg1"/>
+              </a:solidFill>
+            </a:endParaRPr>
+          </a:p>
+          <a:p>
+            <a:endParaRPr lang="pt-BR" sz="2000" b="1" dirty="0">
               <a:solidFill>
                 <a:schemeClr val="bg1"/>
               </a:solidFill>
@@ -3372,64 +3288,32 @@
           </a:p>
           <a:p>
             <a:r>
-              <a:rPr lang="pt-BR" sz="2000" b="1" smtClean="0">
-                <a:solidFill>
-                  <a:schemeClr val="bg1"/>
-                </a:solidFill>
-              </a:rPr>
-              <a:t>27,300.00 </a:t>
-            </a:r>
-            <a:r>
               <a:rPr lang="pt-BR" sz="2000" b="1" dirty="0">
                 <a:solidFill>
                   <a:schemeClr val="bg1"/>
                 </a:solidFill>
               </a:rPr>
-              <a:t>--- 13,731,38   	1 ano	</a:t>
-            </a:r>
-          </a:p>
-          <a:p>
-            <a:r>
-              <a:rPr lang="pt-BR" sz="2000" b="1" smtClean="0">
-                <a:solidFill>
-                  <a:schemeClr val="bg1"/>
-                </a:solidFill>
-              </a:rPr>
-              <a:t>31,500.00 </a:t>
-            </a:r>
+              <a:t>27.300,00 --- 13.731,38   	1 ano	</a:t>
+            </a:r>
+          </a:p>
+          <a:p>
             <a:r>
               <a:rPr lang="pt-BR" sz="2000" b="1" dirty="0">
                 <a:solidFill>
                   <a:schemeClr val="bg1"/>
                 </a:solidFill>
               </a:rPr>
-              <a:t>--- 27.462,76	2 </a:t>
-            </a:r>
-            <a:r>
-              <a:rPr lang="pt-BR" sz="2000" b="1" dirty="0" smtClean="0">
+              <a:t>31.500,00 --- 27.462,76	2 ano</a:t>
+            </a:r>
+          </a:p>
+          <a:p>
+            <a:r>
+              <a:rPr lang="pt-BR" sz="2000" b="1" dirty="0">
                 <a:solidFill>
                   <a:schemeClr val="bg1"/>
                 </a:solidFill>
               </a:rPr>
-              <a:t>ano</a:t>
-            </a:r>
-          </a:p>
-          <a:p>
-            <a:r>
-              <a:rPr lang="pt-BR" sz="2000" b="1" smtClean="0">
-                <a:solidFill>
-                  <a:schemeClr val="bg1"/>
-                </a:solidFill>
-              </a:rPr>
-              <a:t>35,700.00 </a:t>
-            </a:r>
-            <a:r>
-              <a:rPr lang="pt-BR" sz="2000" b="1" dirty="0" smtClean="0">
-                <a:solidFill>
-                  <a:schemeClr val="bg1"/>
-                </a:solidFill>
-              </a:rPr>
-              <a:t>--- 40.834,14	3 ano</a:t>
+              <a:t>35.700,00 --- 40.834,14	3 ano</a:t>
             </a:r>
           </a:p>
           <a:p>
@@ -3441,11 +3325,6 @@
               </a:rPr>
               <a:t>	</a:t>
             </a:r>
-            <a:endParaRPr lang="pt-BR" sz="2000" b="1" dirty="0" smtClean="0">
-              <a:solidFill>
-                <a:schemeClr val="bg1"/>
-              </a:solidFill>
-            </a:endParaRPr>
           </a:p>
         </p:txBody>
       </p:sp>
@@ -3540,18 +3419,13 @@
           <a:lstStyle/>
           <a:p>
             <a:r>
-              <a:rPr lang="pt-BR" dirty="0" smtClean="0">
+              <a:rPr lang="pt-BR" dirty="0">
                 <a:solidFill>
                   <a:srgbClr val="B1F294"/>
                 </a:solidFill>
               </a:rPr>
               <a:t>Diagrama banco de dados</a:t>
             </a:r>
-            <a:endParaRPr lang="pt-BR" dirty="0">
-              <a:solidFill>
-                <a:srgbClr val="B1F294"/>
-              </a:solidFill>
-            </a:endParaRPr>
           </a:p>
         </p:txBody>
       </p:sp>
@@ -3560,7 +3434,7 @@
           <p:cNvPr id="7" name="Picture 2" descr="Uma imagem contendo bola, mesa, quarto&#10;&#10;Descrição gerada automaticamente">
             <a:extLst>
               <a:ext uri="{FF2B5EF4-FFF2-40B4-BE49-F238E27FC236}">
-                <a16:creationId xmlns:a16="http://schemas.microsoft.com/office/drawing/2014/main" xmlns="" id="{ADAAE8E7-98FC-475F-9C81-75C93DCEC698}"/>
+                <a16:creationId xmlns:a16="http://schemas.microsoft.com/office/drawing/2014/main" id="{ADAAE8E7-98FC-475F-9C81-75C93DCEC698}"/>
               </a:ext>
             </a:extLst>
           </p:cNvPr>
@@ -3611,13 +3485,6 @@
   <p:clrMapOvr>
     <a:masterClrMapping/>
   </p:clrMapOvr>
-  <p:timing>
-    <p:tnLst>
-      <p:par>
-        <p:cTn id="1" dur="indefinite" restart="never" nodeType="tmRoot"/>
-      </p:par>
-    </p:tnLst>
-  </p:timing>
 </p:sld>
 </file>
 
@@ -3667,7 +3534,7 @@
           <a:lstStyle/>
           <a:p>
             <a:r>
-              <a:rPr lang="pt-BR" dirty="0" err="1" smtClean="0">
+              <a:rPr lang="pt-BR" dirty="0" err="1">
                 <a:solidFill>
                   <a:srgbClr val="B1F294"/>
                 </a:solidFill>
@@ -3719,21 +3586,21 @@
                 <a:gridCol w="1268395">
                   <a:extLst>
                     <a:ext uri="{9D8B030D-6E8A-4147-A177-3AD203B41FA5}">
-                      <a16:colId xmlns:a16="http://schemas.microsoft.com/office/drawing/2014/main" xmlns="" val="3422996112"/>
+                      <a16:colId xmlns:a16="http://schemas.microsoft.com/office/drawing/2014/main" val="3422996112"/>
                     </a:ext>
                   </a:extLst>
                 </a:gridCol>
                 <a:gridCol w="5877931">
                   <a:extLst>
                     <a:ext uri="{9D8B030D-6E8A-4147-A177-3AD203B41FA5}">
-                      <a16:colId xmlns:a16="http://schemas.microsoft.com/office/drawing/2014/main" xmlns="" val="1186016166"/>
+                      <a16:colId xmlns:a16="http://schemas.microsoft.com/office/drawing/2014/main" val="1186016166"/>
                     </a:ext>
                   </a:extLst>
                 </a:gridCol>
                 <a:gridCol w="989968">
                   <a:extLst>
                     <a:ext uri="{9D8B030D-6E8A-4147-A177-3AD203B41FA5}">
-                      <a16:colId xmlns:a16="http://schemas.microsoft.com/office/drawing/2014/main" xmlns="" val="1057168845"/>
+                      <a16:colId xmlns:a16="http://schemas.microsoft.com/office/drawing/2014/main" val="1057168845"/>
                     </a:ext>
                   </a:extLst>
                 </a:gridCol>
@@ -3921,7 +3788,7 @@
                 </a:tc>
                 <a:extLst>
                   <a:ext uri="{0D108BD9-81ED-4DB2-BD59-A6C34878D82A}">
-                    <a16:rowId xmlns:a16="http://schemas.microsoft.com/office/drawing/2014/main" xmlns="" val="2542052745"/>
+                    <a16:rowId xmlns:a16="http://schemas.microsoft.com/office/drawing/2014/main" val="2542052745"/>
                   </a:ext>
                 </a:extLst>
               </a:tr>
@@ -4114,7 +3981,7 @@
                 </a:tc>
                 <a:extLst>
                   <a:ext uri="{0D108BD9-81ED-4DB2-BD59-A6C34878D82A}">
-                    <a16:rowId xmlns:a16="http://schemas.microsoft.com/office/drawing/2014/main" xmlns="" val="2864439304"/>
+                    <a16:rowId xmlns:a16="http://schemas.microsoft.com/office/drawing/2014/main" val="2864439304"/>
                   </a:ext>
                 </a:extLst>
               </a:tr>
@@ -4307,7 +4174,7 @@
                 </a:tc>
                 <a:extLst>
                   <a:ext uri="{0D108BD9-81ED-4DB2-BD59-A6C34878D82A}">
-                    <a16:rowId xmlns:a16="http://schemas.microsoft.com/office/drawing/2014/main" xmlns="" val="3582784080"/>
+                    <a16:rowId xmlns:a16="http://schemas.microsoft.com/office/drawing/2014/main" val="3582784080"/>
                   </a:ext>
                 </a:extLst>
               </a:tr>
@@ -4388,27 +4255,7 @@
                           <a:effectLst/>
                           <a:latin typeface="Arial" panose="020B0604020202020204" pitchFamily="34" charset="0"/>
                         </a:rPr>
-                        <a:t>O site deve ter uma </a:t>
-                      </a:r>
-                      <a:r>
-                        <a:rPr lang="pt-BR" sz="1100" b="0" i="0" u="none" strike="noStrike" dirty="0" smtClean="0">
-                          <a:solidFill>
-                            <a:schemeClr val="tx1"/>
-                          </a:solidFill>
-                          <a:effectLst/>
-                          <a:latin typeface="Arial" panose="020B0604020202020204" pitchFamily="34" charset="0"/>
-                        </a:rPr>
-                        <a:t>página </a:t>
-                      </a:r>
-                      <a:r>
-                        <a:rPr lang="pt-BR" sz="1100" b="0" i="0" u="none" strike="noStrike" dirty="0">
-                          <a:solidFill>
-                            <a:schemeClr val="tx1"/>
-                          </a:solidFill>
-                          <a:effectLst/>
-                          <a:latin typeface="Arial" panose="020B0604020202020204" pitchFamily="34" charset="0"/>
-                        </a:rPr>
-                        <a:t>para consulta e comparação de dados (gráfico)</a:t>
+                        <a:t>O site deve ter uma página para consulta e comparação de dados (gráfico)</a:t>
                       </a:r>
                     </a:p>
                   </a:txBody>
@@ -4520,7 +4367,7 @@
                 </a:tc>
                 <a:extLst>
                   <a:ext uri="{0D108BD9-81ED-4DB2-BD59-A6C34878D82A}">
-                    <a16:rowId xmlns:a16="http://schemas.microsoft.com/office/drawing/2014/main" xmlns="" val="4138028467"/>
+                    <a16:rowId xmlns:a16="http://schemas.microsoft.com/office/drawing/2014/main" val="4138028467"/>
                   </a:ext>
                 </a:extLst>
               </a:tr>
@@ -4601,27 +4448,7 @@
                           <a:effectLst/>
                           <a:latin typeface="Arial" panose="020B0604020202020204" pitchFamily="34" charset="0"/>
                         </a:rPr>
-                        <a:t>O site deve ter </a:t>
-                      </a:r>
-                      <a:r>
-                        <a:rPr lang="pt-BR" sz="1100" b="0" i="0" u="none" strike="noStrike" dirty="0" smtClean="0">
-                          <a:solidFill>
-                            <a:schemeClr val="tx1"/>
-                          </a:solidFill>
-                          <a:effectLst/>
-                          <a:latin typeface="Arial" panose="020B0604020202020204" pitchFamily="34" charset="0"/>
-                        </a:rPr>
-                        <a:t>informações </a:t>
-                      </a:r>
-                      <a:r>
-                        <a:rPr lang="pt-BR" sz="1100" b="0" i="0" u="none" strike="noStrike" dirty="0">
-                          <a:solidFill>
-                            <a:schemeClr val="tx1"/>
-                          </a:solidFill>
-                          <a:effectLst/>
-                          <a:latin typeface="Arial" panose="020B0604020202020204" pitchFamily="34" charset="0"/>
-                        </a:rPr>
-                        <a:t>sobre a empresa - produtos</a:t>
+                        <a:t>O site deve ter informações sobre a empresa - produtos</a:t>
                       </a:r>
                     </a:p>
                   </a:txBody>
@@ -4733,7 +4560,7 @@
                 </a:tc>
                 <a:extLst>
                   <a:ext uri="{0D108BD9-81ED-4DB2-BD59-A6C34878D82A}">
-                    <a16:rowId xmlns:a16="http://schemas.microsoft.com/office/drawing/2014/main" xmlns="" val="148916675"/>
+                    <a16:rowId xmlns:a16="http://schemas.microsoft.com/office/drawing/2014/main" val="148916675"/>
                   </a:ext>
                 </a:extLst>
               </a:tr>
@@ -4814,27 +4641,7 @@
                           <a:effectLst/>
                           <a:latin typeface="Arial" panose="020B0604020202020204" pitchFamily="34" charset="0"/>
                         </a:rPr>
-                        <a:t>O site deve ter </a:t>
-                      </a:r>
-                      <a:r>
-                        <a:rPr lang="pt-BR" sz="1100" b="0" i="0" u="none" strike="noStrike" dirty="0" smtClean="0">
-                          <a:solidFill>
-                            <a:schemeClr val="tx1"/>
-                          </a:solidFill>
-                          <a:effectLst/>
-                          <a:latin typeface="Arial" panose="020B0604020202020204" pitchFamily="34" charset="0"/>
-                        </a:rPr>
-                        <a:t>informações </a:t>
-                      </a:r>
-                      <a:r>
-                        <a:rPr lang="pt-BR" sz="1100" b="0" i="0" u="none" strike="noStrike" dirty="0">
-                          <a:solidFill>
-                            <a:schemeClr val="tx1"/>
-                          </a:solidFill>
-                          <a:effectLst/>
-                          <a:latin typeface="Arial" panose="020B0604020202020204" pitchFamily="34" charset="0"/>
-                        </a:rPr>
-                        <a:t>de contato e suporte</a:t>
+                        <a:t>O site deve ter informações de contato e suporte</a:t>
                       </a:r>
                     </a:p>
                   </a:txBody>
@@ -4946,7 +4753,7 @@
                 </a:tc>
                 <a:extLst>
                   <a:ext uri="{0D108BD9-81ED-4DB2-BD59-A6C34878D82A}">
-                    <a16:rowId xmlns:a16="http://schemas.microsoft.com/office/drawing/2014/main" xmlns="" val="4289460070"/>
+                    <a16:rowId xmlns:a16="http://schemas.microsoft.com/office/drawing/2014/main" val="4289460070"/>
                   </a:ext>
                 </a:extLst>
               </a:tr>
@@ -5139,7 +4946,7 @@
                 </a:tc>
                 <a:extLst>
                   <a:ext uri="{0D108BD9-81ED-4DB2-BD59-A6C34878D82A}">
-                    <a16:rowId xmlns:a16="http://schemas.microsoft.com/office/drawing/2014/main" xmlns="" val="3934745621"/>
+                    <a16:rowId xmlns:a16="http://schemas.microsoft.com/office/drawing/2014/main" val="3934745621"/>
                   </a:ext>
                 </a:extLst>
               </a:tr>
@@ -5332,7 +5139,7 @@
                 </a:tc>
                 <a:extLst>
                   <a:ext uri="{0D108BD9-81ED-4DB2-BD59-A6C34878D82A}">
-                    <a16:rowId xmlns:a16="http://schemas.microsoft.com/office/drawing/2014/main" xmlns="" val="3332197348"/>
+                    <a16:rowId xmlns:a16="http://schemas.microsoft.com/office/drawing/2014/main" val="3332197348"/>
                   </a:ext>
                 </a:extLst>
               </a:tr>
@@ -5525,7 +5332,7 @@
                 </a:tc>
                 <a:extLst>
                   <a:ext uri="{0D108BD9-81ED-4DB2-BD59-A6C34878D82A}">
-                    <a16:rowId xmlns:a16="http://schemas.microsoft.com/office/drawing/2014/main" xmlns="" val="1520756860"/>
+                    <a16:rowId xmlns:a16="http://schemas.microsoft.com/office/drawing/2014/main" val="1520756860"/>
                   </a:ext>
                 </a:extLst>
               </a:tr>
@@ -5718,7 +5525,7 @@
                 </a:tc>
                 <a:extLst>
                   <a:ext uri="{0D108BD9-81ED-4DB2-BD59-A6C34878D82A}">
-                    <a16:rowId xmlns:a16="http://schemas.microsoft.com/office/drawing/2014/main" xmlns="" val="1610062729"/>
+                    <a16:rowId xmlns:a16="http://schemas.microsoft.com/office/drawing/2014/main" val="1610062729"/>
                   </a:ext>
                 </a:extLst>
               </a:tr>
@@ -5911,7 +5718,7 @@
                 </a:tc>
                 <a:extLst>
                   <a:ext uri="{0D108BD9-81ED-4DB2-BD59-A6C34878D82A}">
-                    <a16:rowId xmlns:a16="http://schemas.microsoft.com/office/drawing/2014/main" xmlns="" val="531162653"/>
+                    <a16:rowId xmlns:a16="http://schemas.microsoft.com/office/drawing/2014/main" val="531162653"/>
                   </a:ext>
                 </a:extLst>
               </a:tr>
@@ -6104,7 +5911,7 @@
                 </a:tc>
                 <a:extLst>
                   <a:ext uri="{0D108BD9-81ED-4DB2-BD59-A6C34878D82A}">
-                    <a16:rowId xmlns:a16="http://schemas.microsoft.com/office/drawing/2014/main" xmlns="" val="3449784839"/>
+                    <a16:rowId xmlns:a16="http://schemas.microsoft.com/office/drawing/2014/main" val="3449784839"/>
                   </a:ext>
                 </a:extLst>
               </a:tr>
@@ -6297,7 +6104,7 @@
                 </a:tc>
                 <a:extLst>
                   <a:ext uri="{0D108BD9-81ED-4DB2-BD59-A6C34878D82A}">
-                    <a16:rowId xmlns:a16="http://schemas.microsoft.com/office/drawing/2014/main" xmlns="" val="680863071"/>
+                    <a16:rowId xmlns:a16="http://schemas.microsoft.com/office/drawing/2014/main" val="680863071"/>
                   </a:ext>
                 </a:extLst>
               </a:tr>
@@ -6490,7 +6297,7 @@
                 </a:tc>
                 <a:extLst>
                   <a:ext uri="{0D108BD9-81ED-4DB2-BD59-A6C34878D82A}">
-                    <a16:rowId xmlns:a16="http://schemas.microsoft.com/office/drawing/2014/main" xmlns="" val="2420299132"/>
+                    <a16:rowId xmlns:a16="http://schemas.microsoft.com/office/drawing/2014/main" val="2420299132"/>
                   </a:ext>
                 </a:extLst>
               </a:tr>
@@ -6683,7 +6490,7 @@
                 </a:tc>
                 <a:extLst>
                   <a:ext uri="{0D108BD9-81ED-4DB2-BD59-A6C34878D82A}">
-                    <a16:rowId xmlns:a16="http://schemas.microsoft.com/office/drawing/2014/main" xmlns="" val="3194571949"/>
+                    <a16:rowId xmlns:a16="http://schemas.microsoft.com/office/drawing/2014/main" val="3194571949"/>
                   </a:ext>
                 </a:extLst>
               </a:tr>
@@ -6876,7 +6683,7 @@
                 </a:tc>
                 <a:extLst>
                   <a:ext uri="{0D108BD9-81ED-4DB2-BD59-A6C34878D82A}">
-                    <a16:rowId xmlns:a16="http://schemas.microsoft.com/office/drawing/2014/main" xmlns="" val="2613439171"/>
+                    <a16:rowId xmlns:a16="http://schemas.microsoft.com/office/drawing/2014/main" val="2613439171"/>
                   </a:ext>
                 </a:extLst>
               </a:tr>
@@ -7069,7 +6876,7 @@
                 </a:tc>
                 <a:extLst>
                   <a:ext uri="{0D108BD9-81ED-4DB2-BD59-A6C34878D82A}">
-                    <a16:rowId xmlns:a16="http://schemas.microsoft.com/office/drawing/2014/main" xmlns="" val="542404034"/>
+                    <a16:rowId xmlns:a16="http://schemas.microsoft.com/office/drawing/2014/main" val="542404034"/>
                   </a:ext>
                 </a:extLst>
               </a:tr>
@@ -7082,7 +6889,7 @@
           <p:cNvPr id="6" name="Picture 2" descr="Uma imagem contendo bola, mesa, quarto&#10;&#10;Descrição gerada automaticamente">
             <a:extLst>
               <a:ext uri="{FF2B5EF4-FFF2-40B4-BE49-F238E27FC236}">
-                <a16:creationId xmlns:a16="http://schemas.microsoft.com/office/drawing/2014/main" xmlns="" id="{ADAAE8E7-98FC-475F-9C81-75C93DCEC698}"/>
+                <a16:creationId xmlns:a16="http://schemas.microsoft.com/office/drawing/2014/main" id="{ADAAE8E7-98FC-475F-9C81-75C93DCEC698}"/>
               </a:ext>
             </a:extLst>
           </p:cNvPr>
@@ -7133,13 +6940,6 @@
   <p:clrMapOvr>
     <a:masterClrMapping/>
   </p:clrMapOvr>
-  <p:timing>
-    <p:tnLst>
-      <p:par>
-        <p:cTn id="1" dur="indefinite" restart="never" nodeType="tmRoot"/>
-      </p:par>
-    </p:tnLst>
-  </p:timing>
 </p:sld>
 </file>
 
@@ -7244,18 +7044,13 @@
           <a:p>
             <a:pPr algn="l"/>
             <a:r>
-              <a:rPr lang="pt-BR" sz="4000" b="1" dirty="0" smtClean="0">
+              <a:rPr lang="pt-BR" sz="4000" b="1" dirty="0">
                 <a:solidFill>
                   <a:srgbClr val="B1F294"/>
                 </a:solidFill>
               </a:rPr>
               <a:t>Ramo de atuação</a:t>
             </a:r>
-            <a:endParaRPr lang="pt-BR" sz="4000" b="1" dirty="0">
-              <a:solidFill>
-                <a:srgbClr val="B1F294"/>
-              </a:solidFill>
-            </a:endParaRPr>
           </a:p>
         </p:txBody>
       </p:sp>
@@ -7264,7 +7059,7 @@
           <p:cNvPr id="1026" name="Picture 2" descr="Uma imagem contendo bola, mesa, quarto&#10;&#10;Descrição gerada automaticamente">
             <a:extLst>
               <a:ext uri="{FF2B5EF4-FFF2-40B4-BE49-F238E27FC236}">
-                <a16:creationId xmlns:a16="http://schemas.microsoft.com/office/drawing/2014/main" xmlns="" id="{ADAAE8E7-98FC-475F-9C81-75C93DCEC698}"/>
+                <a16:creationId xmlns:a16="http://schemas.microsoft.com/office/drawing/2014/main" id="{ADAAE8E7-98FC-475F-9C81-75C93DCEC698}"/>
               </a:ext>
             </a:extLst>
           </p:cNvPr>
@@ -7534,14 +7329,6 @@
           </a:p>
           <a:p>
             <a:pPr algn="l"/>
-            <a:r>
-              <a:rPr lang="pt-BR" dirty="0">
-                <a:solidFill>
-                  <a:schemeClr val="bg1"/>
-                </a:solidFill>
-              </a:rPr>
-              <a:t/>
-            </a:r>
             <a:br>
               <a:rPr lang="pt-BR" dirty="0">
                 <a:solidFill>
@@ -7567,13 +7354,6 @@
   <p:clrMapOvr>
     <a:masterClrMapping/>
   </p:clrMapOvr>
-  <p:timing>
-    <p:tnLst>
-      <p:par>
-        <p:cTn id="1" dur="indefinite" restart="never" nodeType="tmRoot"/>
-      </p:par>
-    </p:tnLst>
-  </p:timing>
 </p:sld>
 </file>
 
@@ -7623,7 +7403,7 @@
           <a:lstStyle/>
           <a:p>
             <a:r>
-              <a:rPr lang="pt-BR" b="1" dirty="0" smtClean="0">
+              <a:rPr lang="pt-BR" b="1" dirty="0">
                 <a:solidFill>
                   <a:srgbClr val="B1F294"/>
                 </a:solidFill>
@@ -7631,12 +7411,6 @@
               </a:rPr>
               <a:t>Contexto</a:t>
             </a:r>
-            <a:endParaRPr lang="pt-BR" b="1" dirty="0">
-              <a:solidFill>
-                <a:srgbClr val="B1F294"/>
-              </a:solidFill>
-              <a:latin typeface="Calibri (Corpo)"/>
-            </a:endParaRPr>
           </a:p>
         </p:txBody>
       </p:sp>
@@ -7723,7 +7497,7 @@
           <p:cNvPr id="8" name="Picture 2" descr="Uma imagem contendo bola, mesa, quarto&#10;&#10;Descrição gerada automaticamente">
             <a:extLst>
               <a:ext uri="{FF2B5EF4-FFF2-40B4-BE49-F238E27FC236}">
-                <a16:creationId xmlns:a16="http://schemas.microsoft.com/office/drawing/2014/main" xmlns="" id="{ADAAE8E7-98FC-475F-9C81-75C93DCEC698}"/>
+                <a16:creationId xmlns:a16="http://schemas.microsoft.com/office/drawing/2014/main" id="{ADAAE8E7-98FC-475F-9C81-75C93DCEC698}"/>
               </a:ext>
             </a:extLst>
           </p:cNvPr>
@@ -7847,7 +7621,7 @@
           <a:lstStyle/>
           <a:p>
             <a:r>
-              <a:rPr lang="pt-BR" sz="2400" dirty="0" smtClean="0">
+              <a:rPr lang="pt-BR" sz="2400" dirty="0">
                 <a:solidFill>
                   <a:schemeClr val="bg1"/>
                 </a:solidFill>
@@ -7856,7 +7630,7 @@
             </a:r>
           </a:p>
           <a:p>
-            <a:endParaRPr lang="pt-BR" sz="2400" dirty="0" smtClean="0">
+            <a:endParaRPr lang="pt-BR" sz="2400" dirty="0">
               <a:solidFill>
                 <a:schemeClr val="bg1"/>
               </a:solidFill>
@@ -7864,7 +7638,7 @@
           </a:p>
           <a:p>
             <a:r>
-              <a:rPr lang="pt-BR" sz="2400" dirty="0" smtClean="0">
+              <a:rPr lang="pt-BR" sz="2400" dirty="0">
                 <a:solidFill>
                   <a:schemeClr val="bg1"/>
                 </a:solidFill>
@@ -7884,13 +7658,6 @@
   <p:clrMapOvr>
     <a:masterClrMapping/>
   </p:clrMapOvr>
-  <p:timing>
-    <p:tnLst>
-      <p:par>
-        <p:cTn id="1" dur="indefinite" restart="never" nodeType="tmRoot"/>
-      </p:par>
-    </p:tnLst>
-  </p:timing>
 </p:sld>
 </file>
 
@@ -7992,7 +7759,7 @@
           <a:lstStyle/>
           <a:p>
             <a:r>
-              <a:rPr lang="pt-BR" sz="4800" dirty="0" smtClean="0">
+              <a:rPr lang="pt-BR" sz="4800" dirty="0">
                 <a:solidFill>
                   <a:srgbClr val="B1F294"/>
                 </a:solidFill>
@@ -8000,12 +7767,6 @@
               </a:rPr>
               <a:t>Desafio</a:t>
             </a:r>
-            <a:endParaRPr lang="pt-BR" sz="4800" dirty="0">
-              <a:solidFill>
-                <a:srgbClr val="B1F294"/>
-              </a:solidFill>
-              <a:latin typeface="Calibri (Corpo)"/>
-            </a:endParaRPr>
           </a:p>
         </p:txBody>
       </p:sp>
@@ -8034,34 +7795,13 @@
               <a:buChar char="•"/>
             </a:pPr>
             <a:r>
-              <a:rPr lang="pt-BR" dirty="0" smtClean="0">
-                <a:solidFill>
-                  <a:schemeClr val="bg1"/>
-                </a:solidFill>
-              </a:rPr>
-              <a:t>Eliminar gastos desnecessários com </a:t>
-            </a:r>
-            <a:r>
               <a:rPr lang="pt-BR" dirty="0">
                 <a:solidFill>
                   <a:schemeClr val="bg1"/>
                 </a:solidFill>
               </a:rPr>
-              <a:t>energia</a:t>
-            </a:r>
-            <a:r>
-              <a:rPr lang="pt-BR" dirty="0" smtClean="0">
-                <a:solidFill>
-                  <a:schemeClr val="bg1"/>
-                </a:solidFill>
-              </a:rPr>
-              <a:t>.</a:t>
-            </a:r>
-            <a:endParaRPr lang="pt-BR" dirty="0">
-              <a:solidFill>
-                <a:schemeClr val="bg1"/>
-              </a:solidFill>
-            </a:endParaRPr>
+              <a:t>Eliminar gastos desnecessários com energia.</a:t>
+            </a:r>
           </a:p>
           <a:p>
             <a:pPr algn="l"/>
@@ -8077,20 +7817,12 @@
               <a:buChar char="•"/>
             </a:pPr>
             <a:r>
-              <a:rPr lang="pt-BR" dirty="0" smtClean="0">
-                <a:solidFill>
-                  <a:schemeClr val="bg1"/>
-                </a:solidFill>
-              </a:rPr>
-              <a:t>Sustentabilidade</a:t>
-            </a:r>
-            <a:r>
               <a:rPr lang="pt-BR" dirty="0">
                 <a:solidFill>
                   <a:schemeClr val="bg1"/>
                 </a:solidFill>
               </a:rPr>
-              <a:t>.</a:t>
+              <a:t>Sustentabilidade.</a:t>
             </a:r>
           </a:p>
           <a:p>
@@ -8107,34 +7839,13 @@
               <a:buChar char="•"/>
             </a:pPr>
             <a:r>
-              <a:rPr lang="pt-BR" dirty="0" smtClean="0">
-                <a:solidFill>
-                  <a:schemeClr val="bg1"/>
-                </a:solidFill>
-              </a:rPr>
-              <a:t>Administração </a:t>
-            </a:r>
-            <a:r>
               <a:rPr lang="pt-BR" dirty="0">
                 <a:solidFill>
                   <a:schemeClr val="bg1"/>
                 </a:solidFill>
               </a:rPr>
-              <a:t>dos </a:t>
-            </a:r>
-            <a:r>
-              <a:rPr lang="pt-BR" dirty="0" smtClean="0">
-                <a:solidFill>
-                  <a:schemeClr val="bg1"/>
-                </a:solidFill>
-              </a:rPr>
-              <a:t>recursos.</a:t>
-            </a:r>
-            <a:endParaRPr lang="pt-BR" dirty="0">
-              <a:solidFill>
-                <a:schemeClr val="bg1"/>
-              </a:solidFill>
-            </a:endParaRPr>
+              <a:t>Administração dos recursos.</a:t>
+            </a:r>
           </a:p>
           <a:p>
             <a:endParaRPr lang="pt-BR" dirty="0">
@@ -8150,7 +7861,7 @@
           <p:cNvPr id="8" name="Picture 2" descr="Uma imagem contendo bola, mesa, quarto&#10;&#10;Descrição gerada automaticamente">
             <a:extLst>
               <a:ext uri="{FF2B5EF4-FFF2-40B4-BE49-F238E27FC236}">
-                <a16:creationId xmlns:a16="http://schemas.microsoft.com/office/drawing/2014/main" xmlns="" id="{ADAAE8E7-98FC-475F-9C81-75C93DCEC698}"/>
+                <a16:creationId xmlns:a16="http://schemas.microsoft.com/office/drawing/2014/main" id="{ADAAE8E7-98FC-475F-9C81-75C93DCEC698}"/>
               </a:ext>
             </a:extLst>
           </p:cNvPr>
@@ -8201,13 +7912,6 @@
   <p:clrMapOvr>
     <a:masterClrMapping/>
   </p:clrMapOvr>
-  <p:timing>
-    <p:tnLst>
-      <p:par>
-        <p:cTn id="1" dur="indefinite" restart="never" nodeType="tmRoot"/>
-      </p:par>
-    </p:tnLst>
-  </p:timing>
 </p:sld>
 </file>
 
@@ -8257,7 +7961,7 @@
           <a:lstStyle/>
           <a:p>
             <a:r>
-              <a:rPr lang="pt-BR" dirty="0" smtClean="0">
+              <a:rPr lang="pt-BR" dirty="0">
                 <a:solidFill>
                   <a:srgbClr val="B1F294"/>
                 </a:solidFill>
@@ -8265,12 +7969,6 @@
               </a:rPr>
               <a:t>Proposta</a:t>
             </a:r>
-            <a:endParaRPr lang="pt-BR" dirty="0">
-              <a:solidFill>
-                <a:srgbClr val="B1F294"/>
-              </a:solidFill>
-              <a:latin typeface="Calibri (Corpo)"/>
-            </a:endParaRPr>
           </a:p>
         </p:txBody>
       </p:sp>
@@ -8279,7 +7977,7 @@
           <p:cNvPr id="5" name="CaixaDeTexto 4">
             <a:extLst>
               <a:ext uri="{FF2B5EF4-FFF2-40B4-BE49-F238E27FC236}">
-                <a16:creationId xmlns:a16="http://schemas.microsoft.com/office/drawing/2014/main" xmlns="" id="{95B4942A-53F3-4287-93BF-1B226991BED6}"/>
+                <a16:creationId xmlns:a16="http://schemas.microsoft.com/office/drawing/2014/main" id="{95B4942A-53F3-4287-93BF-1B226991BED6}"/>
               </a:ext>
             </a:extLst>
           </p:cNvPr>
@@ -8472,7 +8170,7 @@
           <p:cNvPr id="6" name="Picture 2" descr="Uma imagem contendo bola, mesa, quarto&#10;&#10;Descrição gerada automaticamente">
             <a:extLst>
               <a:ext uri="{FF2B5EF4-FFF2-40B4-BE49-F238E27FC236}">
-                <a16:creationId xmlns:a16="http://schemas.microsoft.com/office/drawing/2014/main" xmlns="" id="{ADAAE8E7-98FC-475F-9C81-75C93DCEC698}"/>
+                <a16:creationId xmlns:a16="http://schemas.microsoft.com/office/drawing/2014/main" id="{ADAAE8E7-98FC-475F-9C81-75C93DCEC698}"/>
               </a:ext>
             </a:extLst>
           </p:cNvPr>
@@ -8553,13 +8251,6 @@
   <p:clrMapOvr>
     <a:masterClrMapping/>
   </p:clrMapOvr>
-  <p:timing>
-    <p:tnLst>
-      <p:par>
-        <p:cTn id="1" dur="indefinite" restart="never" nodeType="tmRoot"/>
-      </p:par>
-    </p:tnLst>
-  </p:timing>
 </p:sld>
 </file>
 
@@ -8657,7 +8348,7 @@
           <p:cNvPr id="5" name="Picture 2" descr="Uma imagem contendo bola, mesa, quarto&#10;&#10;Descrição gerada automaticamente">
             <a:extLst>
               <a:ext uri="{FF2B5EF4-FFF2-40B4-BE49-F238E27FC236}">
-                <a16:creationId xmlns:a16="http://schemas.microsoft.com/office/drawing/2014/main" xmlns="" id="{ADAAE8E7-98FC-475F-9C81-75C93DCEC698}"/>
+                <a16:creationId xmlns:a16="http://schemas.microsoft.com/office/drawing/2014/main" id="{ADAAE8E7-98FC-475F-9C81-75C93DCEC698}"/>
               </a:ext>
             </a:extLst>
           </p:cNvPr>
@@ -8708,13 +8399,6 @@
   <p:clrMapOvr>
     <a:masterClrMapping/>
   </p:clrMapOvr>
-  <p:timing>
-    <p:tnLst>
-      <p:par>
-        <p:cTn id="1" dur="indefinite" restart="never" nodeType="tmRoot"/>
-      </p:par>
-    </p:tnLst>
-  </p:timing>
 </p:sld>
 </file>
 
@@ -8823,13 +8507,6 @@
   <p:clrMapOvr>
     <a:masterClrMapping/>
   </p:clrMapOvr>
-  <p:timing>
-    <p:tnLst>
-      <p:par>
-        <p:cTn id="1" dur="indefinite" restart="never" nodeType="tmRoot"/>
-      </p:par>
-    </p:tnLst>
-  </p:timing>
 </p:sld>
 </file>
 
@@ -8901,13 +8578,6 @@
   <p:clrMapOvr>
     <a:masterClrMapping/>
   </p:clrMapOvr>
-  <p:timing>
-    <p:tnLst>
-      <p:par>
-        <p:cTn id="1" dur="indefinite" restart="never" nodeType="tmRoot"/>
-      </p:par>
-    </p:tnLst>
-  </p:timing>
 </p:sld>
 </file>
 
@@ -8964,23 +8634,7 @@
                   <a:srgbClr val="B1F294"/>
                 </a:solidFill>
               </a:rPr>
-              <a:t>Quanto você </a:t>
-            </a:r>
-            <a:r>
-              <a:rPr lang="pt-BR" sz="4800" b="1" dirty="0" smtClean="0">
-                <a:solidFill>
-                  <a:srgbClr val="B1F294"/>
-                </a:solidFill>
-              </a:rPr>
-              <a:t>pode economizar </a:t>
-            </a:r>
-            <a:r>
-              <a:rPr lang="pt-BR" sz="4800" b="1" dirty="0">
-                <a:solidFill>
-                  <a:srgbClr val="B1F294"/>
-                </a:solidFill>
-              </a:rPr>
-              <a:t>com nossa solução?</a:t>
+              <a:t>Quanto você pode economizar com nossa solução?</a:t>
             </a:r>
             <a:endParaRPr lang="en-US" sz="4700" b="1" dirty="0">
               <a:solidFill>
@@ -8995,7 +8649,7 @@
           <p:cNvPr id="4" name="CaixaDeTexto 3">
             <a:extLst>
               <a:ext uri="{FF2B5EF4-FFF2-40B4-BE49-F238E27FC236}">
-                <a16:creationId xmlns:a16="http://schemas.microsoft.com/office/drawing/2014/main" xmlns="" id="{E4FD0030-1AD1-4D6F-998B-E6084B8DBBDE}"/>
+                <a16:creationId xmlns:a16="http://schemas.microsoft.com/office/drawing/2014/main" id="{E4FD0030-1AD1-4D6F-998B-E6084B8DBBDE}"/>
               </a:ext>
             </a:extLst>
           </p:cNvPr>
@@ -9019,20 +8673,12 @@
           <a:lstStyle/>
           <a:p>
             <a:r>
-              <a:rPr lang="pt-BR" sz="2000" b="1" dirty="0" smtClean="0">
-                <a:solidFill>
-                  <a:schemeClr val="bg1"/>
-                </a:solidFill>
-              </a:rPr>
-              <a:t>UTILIZE </a:t>
-            </a:r>
-            <a:r>
               <a:rPr lang="pt-BR" sz="2000" b="1" dirty="0">
                 <a:solidFill>
                   <a:schemeClr val="bg1"/>
                 </a:solidFill>
               </a:rPr>
-              <a:t>NOSSO </a:t>
+              <a:t>UTILIZE NOSSO </a:t>
             </a:r>
             <a:r>
               <a:rPr lang="pt-BR" sz="2000" b="1" u="sng" dirty="0">
@@ -9049,21 +8695,8 @@
                   <a:schemeClr val="bg1"/>
                 </a:solidFill>
               </a:rPr>
-              <a:t> </a:t>
-            </a:r>
-            <a:r>
-              <a:rPr lang="pt-BR" sz="2000" b="1" dirty="0" smtClean="0">
-                <a:solidFill>
-                  <a:schemeClr val="bg1"/>
-                </a:solidFill>
-              </a:rPr>
-              <a:t> PARA SABER UMA MÉDIA DE ECONOMIA.</a:t>
-            </a:r>
-            <a:endParaRPr lang="pt-BR" sz="2000" b="1" dirty="0">
-              <a:solidFill>
-                <a:schemeClr val="bg1"/>
-              </a:solidFill>
-            </a:endParaRPr>
+              <a:t>  PARA SABER UMA MÉDIA DE ECONOMIA.</a:t>
+            </a:r>
           </a:p>
         </p:txBody>
       </p:sp>
@@ -9090,7 +8723,7 @@
           <a:lstStyle/>
           <a:p>
             <a:r>
-              <a:rPr lang="pt-BR" sz="2000" b="1" dirty="0" smtClean="0">
+              <a:rPr lang="pt-BR" sz="2000" b="1" dirty="0">
                 <a:solidFill>
                   <a:schemeClr val="bg1"/>
                 </a:solidFill>
@@ -9098,18 +8731,13 @@
               <a:t>DE ACORDO COM NOSSAS PESQUISAS, PODE-SE ECONOMIZAR, EM MÉDIA, ATÉ 25% DO CONSUMO DE ENERGIA ELÉTRICA VOLTADO PARA A ILUMINAÇÃO</a:t>
             </a:r>
             <a:r>
-              <a:rPr lang="pt-BR" b="1" dirty="0" smtClean="0">
+              <a:rPr lang="pt-BR" b="1" dirty="0">
                 <a:solidFill>
                   <a:schemeClr val="bg1"/>
                 </a:solidFill>
               </a:rPr>
               <a:t>. </a:t>
             </a:r>
-            <a:endParaRPr lang="pt-BR" b="1" dirty="0">
-              <a:solidFill>
-                <a:schemeClr val="bg1"/>
-              </a:solidFill>
-            </a:endParaRPr>
           </a:p>
         </p:txBody>
       </p:sp>
@@ -9118,7 +8746,7 @@
           <p:cNvPr id="5" name="Picture 2" descr="Uma imagem contendo bola, mesa, quarto&#10;&#10;Descrição gerada automaticamente">
             <a:extLst>
               <a:ext uri="{FF2B5EF4-FFF2-40B4-BE49-F238E27FC236}">
-                <a16:creationId xmlns:a16="http://schemas.microsoft.com/office/drawing/2014/main" xmlns="" id="{ADAAE8E7-98FC-475F-9C81-75C93DCEC698}"/>
+                <a16:creationId xmlns:a16="http://schemas.microsoft.com/office/drawing/2014/main" id="{ADAAE8E7-98FC-475F-9C81-75C93DCEC698}"/>
               </a:ext>
             </a:extLst>
           </p:cNvPr>
@@ -9169,13 +8797,6 @@
   <p:clrMapOvr>
     <a:masterClrMapping/>
   </p:clrMapOvr>
-  <p:timing>
-    <p:tnLst>
-      <p:par>
-        <p:cTn id="1" dur="indefinite" restart="never" nodeType="tmRoot"/>
-      </p:par>
-    </p:tnLst>
-  </p:timing>
 </p:sld>
 </file>
 
